--- a/Hito5/ProyectoFinal/PROY_BASE_DE_DATOS.pptx
+++ b/Hito5/ProyectoFinal/PROY_BASE_DE_DATOS.pptx
@@ -9,12 +9,14 @@
     <p:sldId id="257" r:id="rId3"/>
     <p:sldId id="258" r:id="rId4"/>
     <p:sldId id="259" r:id="rId5"/>
-    <p:sldId id="260" r:id="rId6"/>
-    <p:sldId id="261" r:id="rId7"/>
-    <p:sldId id="262" r:id="rId8"/>
-    <p:sldId id="263" r:id="rId9"/>
-    <p:sldId id="264" r:id="rId10"/>
-    <p:sldId id="265" r:id="rId11"/>
+    <p:sldId id="266" r:id="rId6"/>
+    <p:sldId id="267" r:id="rId7"/>
+    <p:sldId id="260" r:id="rId8"/>
+    <p:sldId id="261" r:id="rId9"/>
+    <p:sldId id="263" r:id="rId10"/>
+    <p:sldId id="264" r:id="rId11"/>
+    <p:sldId id="265" r:id="rId12"/>
+    <p:sldId id="268" r:id="rId13"/>
   </p:sldIdLst>
   <p:sldSz cx="12192000" cy="6858000"/>
   <p:notesSz cx="6858000" cy="9144000"/>
@@ -113,6 +115,11 @@
       </a:defRPr>
     </a:lvl9pPr>
   </p:defaultTextStyle>
+  <p:extLst>
+    <p:ext uri="{EFAFB233-063F-42B5-8137-9DF3F51BA10A}">
+      <p15:sldGuideLst xmlns:p15="http://schemas.microsoft.com/office/powerpoint/2012/main"/>
+    </p:ext>
+  </p:extLst>
 </p:presentation>
 </file>
 
@@ -302,7 +309,7 @@
           <a:p>
             <a:fld id="{E6F3F052-5795-4AED-9272-B0BF53C57619}" type="datetimeFigureOut">
               <a:rPr lang="es-BO" smtClean="0"/>
-              <a:t>5/12/2022</a:t>
+              <a:t>12/12/2022</a:t>
             </a:fld>
             <a:endParaRPr lang="es-BO"/>
           </a:p>
@@ -577,7 +584,7 @@
           <a:p>
             <a:fld id="{E6F3F052-5795-4AED-9272-B0BF53C57619}" type="datetimeFigureOut">
               <a:rPr lang="es-BO" smtClean="0"/>
-              <a:t>5/12/2022</a:t>
+              <a:t>12/12/2022</a:t>
             </a:fld>
             <a:endParaRPr lang="es-BO"/>
           </a:p>
@@ -771,7 +778,7 @@
           <a:p>
             <a:fld id="{E6F3F052-5795-4AED-9272-B0BF53C57619}" type="datetimeFigureOut">
               <a:rPr lang="es-BO" smtClean="0"/>
-              <a:t>5/12/2022</a:t>
+              <a:t>12/12/2022</a:t>
             </a:fld>
             <a:endParaRPr lang="es-BO"/>
           </a:p>
@@ -1044,7 +1051,7 @@
           <a:p>
             <a:fld id="{E6F3F052-5795-4AED-9272-B0BF53C57619}" type="datetimeFigureOut">
               <a:rPr lang="es-BO" smtClean="0"/>
-              <a:t>5/12/2022</a:t>
+              <a:t>12/12/2022</a:t>
             </a:fld>
             <a:endParaRPr lang="es-BO"/>
           </a:p>
@@ -1385,7 +1392,7 @@
           <a:p>
             <a:fld id="{E6F3F052-5795-4AED-9272-B0BF53C57619}" type="datetimeFigureOut">
               <a:rPr lang="es-BO" smtClean="0"/>
-              <a:t>5/12/2022</a:t>
+              <a:t>12/12/2022</a:t>
             </a:fld>
             <a:endParaRPr lang="es-BO"/>
           </a:p>
@@ -2008,7 +2015,7 @@
           <a:p>
             <a:fld id="{E6F3F052-5795-4AED-9272-B0BF53C57619}" type="datetimeFigureOut">
               <a:rPr lang="es-BO" smtClean="0"/>
-              <a:t>5/12/2022</a:t>
+              <a:t>12/12/2022</a:t>
             </a:fld>
             <a:endParaRPr lang="es-BO"/>
           </a:p>
@@ -2868,7 +2875,7 @@
           <a:p>
             <a:fld id="{E6F3F052-5795-4AED-9272-B0BF53C57619}" type="datetimeFigureOut">
               <a:rPr lang="es-BO" smtClean="0"/>
-              <a:t>5/12/2022</a:t>
+              <a:t>12/12/2022</a:t>
             </a:fld>
             <a:endParaRPr lang="es-BO"/>
           </a:p>
@@ -3038,7 +3045,7 @@
           <a:p>
             <a:fld id="{E6F3F052-5795-4AED-9272-B0BF53C57619}" type="datetimeFigureOut">
               <a:rPr lang="es-BO" smtClean="0"/>
-              <a:t>5/12/2022</a:t>
+              <a:t>12/12/2022</a:t>
             </a:fld>
             <a:endParaRPr lang="es-BO"/>
           </a:p>
@@ -3218,7 +3225,7 @@
           <a:p>
             <a:fld id="{E6F3F052-5795-4AED-9272-B0BF53C57619}" type="datetimeFigureOut">
               <a:rPr lang="es-BO" smtClean="0"/>
-              <a:t>5/12/2022</a:t>
+              <a:t>12/12/2022</a:t>
             </a:fld>
             <a:endParaRPr lang="es-BO"/>
           </a:p>
@@ -3388,7 +3395,7 @@
           <a:p>
             <a:fld id="{E6F3F052-5795-4AED-9272-B0BF53C57619}" type="datetimeFigureOut">
               <a:rPr lang="es-BO" smtClean="0"/>
-              <a:t>5/12/2022</a:t>
+              <a:t>12/12/2022</a:t>
             </a:fld>
             <a:endParaRPr lang="es-BO"/>
           </a:p>
@@ -3635,7 +3642,7 @@
           <a:p>
             <a:fld id="{E6F3F052-5795-4AED-9272-B0BF53C57619}" type="datetimeFigureOut">
               <a:rPr lang="es-BO" smtClean="0"/>
-              <a:t>5/12/2022</a:t>
+              <a:t>12/12/2022</a:t>
             </a:fld>
             <a:endParaRPr lang="es-BO"/>
           </a:p>
@@ -3927,7 +3934,7 @@
           <a:p>
             <a:fld id="{E6F3F052-5795-4AED-9272-B0BF53C57619}" type="datetimeFigureOut">
               <a:rPr lang="es-BO" smtClean="0"/>
-              <a:t>5/12/2022</a:t>
+              <a:t>12/12/2022</a:t>
             </a:fld>
             <a:endParaRPr lang="es-BO"/>
           </a:p>
@@ -4371,7 +4378,7 @@
           <a:p>
             <a:fld id="{E6F3F052-5795-4AED-9272-B0BF53C57619}" type="datetimeFigureOut">
               <a:rPr lang="es-BO" smtClean="0"/>
-              <a:t>5/12/2022</a:t>
+              <a:t>12/12/2022</a:t>
             </a:fld>
             <a:endParaRPr lang="es-BO"/>
           </a:p>
@@ -4489,7 +4496,7 @@
           <a:p>
             <a:fld id="{E6F3F052-5795-4AED-9272-B0BF53C57619}" type="datetimeFigureOut">
               <a:rPr lang="es-BO" smtClean="0"/>
-              <a:t>5/12/2022</a:t>
+              <a:t>12/12/2022</a:t>
             </a:fld>
             <a:endParaRPr lang="es-BO"/>
           </a:p>
@@ -4584,7 +4591,7 @@
           <a:p>
             <a:fld id="{E6F3F052-5795-4AED-9272-B0BF53C57619}" type="datetimeFigureOut">
               <a:rPr lang="es-BO" smtClean="0"/>
-              <a:t>5/12/2022</a:t>
+              <a:t>12/12/2022</a:t>
             </a:fld>
             <a:endParaRPr lang="es-BO"/>
           </a:p>
@@ -4863,7 +4870,7 @@
           <a:p>
             <a:fld id="{E6F3F052-5795-4AED-9272-B0BF53C57619}" type="datetimeFigureOut">
               <a:rPr lang="es-BO" smtClean="0"/>
-              <a:t>5/12/2022</a:t>
+              <a:t>12/12/2022</a:t>
             </a:fld>
             <a:endParaRPr lang="es-BO"/>
           </a:p>
@@ -5138,7 +5145,7 @@
           <a:p>
             <a:fld id="{E6F3F052-5795-4AED-9272-B0BF53C57619}" type="datetimeFigureOut">
               <a:rPr lang="es-BO" smtClean="0"/>
-              <a:t>5/12/2022</a:t>
+              <a:t>12/12/2022</a:t>
             </a:fld>
             <a:endParaRPr lang="es-BO"/>
           </a:p>
@@ -5567,7 +5574,7 @@
           <a:p>
             <a:fld id="{E6F3F052-5795-4AED-9272-B0BF53C57619}" type="datetimeFigureOut">
               <a:rPr lang="es-BO" smtClean="0"/>
-              <a:t>5/12/2022</a:t>
+              <a:t>12/12/2022</a:t>
             </a:fld>
             <a:endParaRPr lang="es-BO"/>
           </a:p>
@@ -6158,6 +6165,121 @@
           <p:cNvPr id="2" name="Título 1">
             <a:extLst>
               <a:ext uri="{FF2B5EF4-FFF2-40B4-BE49-F238E27FC236}">
+                <a16:creationId xmlns:a16="http://schemas.microsoft.com/office/drawing/2014/main" id="{AB64D752-721F-FB83-1F84-4C7F46D15101}"/>
+              </a:ext>
+            </a:extLst>
+          </p:cNvPr>
+          <p:cNvSpPr>
+            <a:spLocks noGrp="1"/>
+          </p:cNvSpPr>
+          <p:nvPr>
+            <p:ph type="title"/>
+          </p:nvPr>
+        </p:nvSpPr>
+        <p:spPr/>
+        <p:txBody>
+          <a:bodyPr/>
+          <a:lstStyle/>
+          <a:p>
+            <a:endParaRPr lang="es-BO" dirty="0"/>
+          </a:p>
+        </p:txBody>
+      </p:sp>
+      <p:pic>
+        <p:nvPicPr>
+          <p:cNvPr id="5" name="Imagen 4">
+            <a:extLst>
+              <a:ext uri="{FF2B5EF4-FFF2-40B4-BE49-F238E27FC236}">
+                <a16:creationId xmlns:a16="http://schemas.microsoft.com/office/drawing/2014/main" id="{EE2EAF90-DD54-7A4E-FC28-D168E124EE9D}"/>
+              </a:ext>
+            </a:extLst>
+          </p:cNvPr>
+          <p:cNvPicPr>
+            <a:picLocks noChangeAspect="1"/>
+          </p:cNvPicPr>
+          <p:nvPr/>
+        </p:nvPicPr>
+        <p:blipFill>
+          <a:blip r:embed="rId2"/>
+          <a:stretch>
+            <a:fillRect/>
+          </a:stretch>
+        </p:blipFill>
+        <p:spPr>
+          <a:xfrm>
+            <a:off x="646111" y="439421"/>
+            <a:ext cx="10088383" cy="2534004"/>
+          </a:xfrm>
+          <a:prstGeom prst="rect">
+            <a:avLst/>
+          </a:prstGeom>
+        </p:spPr>
+      </p:pic>
+      <p:pic>
+        <p:nvPicPr>
+          <p:cNvPr id="7" name="Imagen 6">
+            <a:extLst>
+              <a:ext uri="{FF2B5EF4-FFF2-40B4-BE49-F238E27FC236}">
+                <a16:creationId xmlns:a16="http://schemas.microsoft.com/office/drawing/2014/main" id="{37A71A4C-368D-7226-28DD-D8A00D4C4AA2}"/>
+              </a:ext>
+            </a:extLst>
+          </p:cNvPr>
+          <p:cNvPicPr>
+            <a:picLocks noChangeAspect="1"/>
+          </p:cNvPicPr>
+          <p:nvPr/>
+        </p:nvPicPr>
+        <p:blipFill>
+          <a:blip r:embed="rId3"/>
+          <a:stretch>
+            <a:fillRect/>
+          </a:stretch>
+        </p:blipFill>
+        <p:spPr>
+          <a:xfrm>
+            <a:off x="646111" y="3428999"/>
+            <a:ext cx="7591956" cy="2583817"/>
+          </a:xfrm>
+          <a:prstGeom prst="rect">
+            <a:avLst/>
+          </a:prstGeom>
+        </p:spPr>
+      </p:pic>
+    </p:spTree>
+    <p:extLst>
+      <p:ext uri="{BB962C8B-B14F-4D97-AF65-F5344CB8AC3E}">
+        <p14:creationId xmlns:p14="http://schemas.microsoft.com/office/powerpoint/2010/main" val="1950186458"/>
+      </p:ext>
+    </p:extLst>
+  </p:cSld>
+  <p:clrMapOvr>
+    <a:masterClrMapping/>
+  </p:clrMapOvr>
+</p:sld>
+</file>
+
+<file path=ppt/slides/slide11.xml><?xml version="1.0" encoding="utf-8"?>
+<p:sld xmlns:a="http://schemas.openxmlformats.org/drawingml/2006/main" xmlns:r="http://schemas.openxmlformats.org/officeDocument/2006/relationships" xmlns:p="http://schemas.openxmlformats.org/presentationml/2006/main">
+  <p:cSld>
+    <p:spTree>
+      <p:nvGrpSpPr>
+        <p:cNvPr id="1" name=""/>
+        <p:cNvGrpSpPr/>
+        <p:nvPr/>
+      </p:nvGrpSpPr>
+      <p:grpSpPr>
+        <a:xfrm>
+          <a:off x="0" y="0"/>
+          <a:ext cx="0" cy="0"/>
+          <a:chOff x="0" y="0"/>
+          <a:chExt cx="0" cy="0"/>
+        </a:xfrm>
+      </p:grpSpPr>
+      <p:sp>
+        <p:nvSpPr>
+          <p:cNvPr id="2" name="Título 1">
+            <a:extLst>
+              <a:ext uri="{FF2B5EF4-FFF2-40B4-BE49-F238E27FC236}">
                 <a16:creationId xmlns:a16="http://schemas.microsoft.com/office/drawing/2014/main" id="{A5A4FC62-68E6-2BFE-C4E2-634436E15E03}"/>
               </a:ext>
             </a:extLst>
@@ -6174,7 +6296,10 @@
           <a:bodyPr/>
           <a:lstStyle/>
           <a:p>
-            <a:endParaRPr lang="es-BO"/>
+            <a:r>
+              <a:rPr lang="es-BO" dirty="0"/>
+              <a:t>Consultas SQL</a:t>
+            </a:r>
           </a:p>
         </p:txBody>
       </p:sp>
@@ -6199,14 +6324,169 @@
           <a:bodyPr/>
           <a:lstStyle/>
           <a:p>
-            <a:endParaRPr lang="es-BO"/>
-          </a:p>
-        </p:txBody>
-      </p:sp>
+            <a:r>
+              <a:rPr lang="es-BO" dirty="0"/>
+              <a:t>Realizaremos algunas consultas SQL con el manejo de </a:t>
+            </a:r>
+            <a:r>
+              <a:rPr lang="es-BO" dirty="0" err="1"/>
+              <a:t>Inner</a:t>
+            </a:r>
+            <a:r>
+              <a:rPr lang="es-BO" dirty="0"/>
+              <a:t> </a:t>
+            </a:r>
+            <a:r>
+              <a:rPr lang="es-BO" dirty="0" err="1"/>
+              <a:t>Join</a:t>
+            </a:r>
+            <a:r>
+              <a:rPr lang="es-BO" dirty="0"/>
+              <a:t>, donde </a:t>
+            </a:r>
+            <a:r>
+              <a:rPr lang="es-BO" dirty="0" err="1"/>
+              <a:t>Inner</a:t>
+            </a:r>
+            <a:r>
+              <a:rPr lang="es-BO" dirty="0"/>
+              <a:t> </a:t>
+            </a:r>
+            <a:r>
+              <a:rPr lang="es-BO" dirty="0" err="1"/>
+              <a:t>Join</a:t>
+            </a:r>
+            <a:r>
+              <a:rPr lang="es-BO" dirty="0"/>
+              <a:t> nos permita relacionar 2 o mas tablas gracias a que estas comparten un atributo en común.</a:t>
+            </a:r>
+          </a:p>
+        </p:txBody>
+      </p:sp>
+      <p:pic>
+        <p:nvPicPr>
+          <p:cNvPr id="5" name="Imagen 4">
+            <a:extLst>
+              <a:ext uri="{FF2B5EF4-FFF2-40B4-BE49-F238E27FC236}">
+                <a16:creationId xmlns:a16="http://schemas.microsoft.com/office/drawing/2014/main" id="{4B2771F7-7471-089A-4388-EA5C3F0C98F7}"/>
+              </a:ext>
+            </a:extLst>
+          </p:cNvPr>
+          <p:cNvPicPr>
+            <a:picLocks noChangeAspect="1"/>
+          </p:cNvPicPr>
+          <p:nvPr/>
+        </p:nvPicPr>
+        <p:blipFill>
+          <a:blip r:embed="rId2"/>
+          <a:stretch>
+            <a:fillRect/>
+          </a:stretch>
+        </p:blipFill>
+        <p:spPr>
+          <a:xfrm>
+            <a:off x="2223314" y="3619132"/>
+            <a:ext cx="6706536" cy="2629267"/>
+          </a:xfrm>
+          <a:prstGeom prst="rect">
+            <a:avLst/>
+          </a:prstGeom>
+        </p:spPr>
+      </p:pic>
     </p:spTree>
     <p:extLst>
       <p:ext uri="{BB962C8B-B14F-4D97-AF65-F5344CB8AC3E}">
         <p14:creationId xmlns:p14="http://schemas.microsoft.com/office/powerpoint/2010/main" val="13116565"/>
+      </p:ext>
+    </p:extLst>
+  </p:cSld>
+  <p:clrMapOvr>
+    <a:masterClrMapping/>
+  </p:clrMapOvr>
+</p:sld>
+</file>
+
+<file path=ppt/slides/slide12.xml><?xml version="1.0" encoding="utf-8"?>
+<p:sld xmlns:a="http://schemas.openxmlformats.org/drawingml/2006/main" xmlns:r="http://schemas.openxmlformats.org/officeDocument/2006/relationships" xmlns:p="http://schemas.openxmlformats.org/presentationml/2006/main">
+  <p:cSld>
+    <p:spTree>
+      <p:nvGrpSpPr>
+        <p:cNvPr id="1" name=""/>
+        <p:cNvGrpSpPr/>
+        <p:nvPr/>
+      </p:nvGrpSpPr>
+      <p:grpSpPr>
+        <a:xfrm>
+          <a:off x="0" y="0"/>
+          <a:ext cx="0" cy="0"/>
+          <a:chOff x="0" y="0"/>
+          <a:chExt cx="0" cy="0"/>
+        </a:xfrm>
+      </p:grpSpPr>
+      <p:pic>
+        <p:nvPicPr>
+          <p:cNvPr id="5" name="Imagen 4">
+            <a:extLst>
+              <a:ext uri="{FF2B5EF4-FFF2-40B4-BE49-F238E27FC236}">
+                <a16:creationId xmlns:a16="http://schemas.microsoft.com/office/drawing/2014/main" id="{DCB294DB-149A-9BEB-21AC-2B089889B385}"/>
+              </a:ext>
+            </a:extLst>
+          </p:cNvPr>
+          <p:cNvPicPr>
+            <a:picLocks noChangeAspect="1"/>
+          </p:cNvPicPr>
+          <p:nvPr/>
+        </p:nvPicPr>
+        <p:blipFill>
+          <a:blip r:embed="rId2"/>
+          <a:stretch>
+            <a:fillRect/>
+          </a:stretch>
+        </p:blipFill>
+        <p:spPr>
+          <a:xfrm>
+            <a:off x="1088510" y="936547"/>
+            <a:ext cx="9325490" cy="1421716"/>
+          </a:xfrm>
+          <a:prstGeom prst="rect">
+            <a:avLst/>
+          </a:prstGeom>
+        </p:spPr>
+      </p:pic>
+      <p:pic>
+        <p:nvPicPr>
+          <p:cNvPr id="9" name="Imagen 8">
+            <a:extLst>
+              <a:ext uri="{FF2B5EF4-FFF2-40B4-BE49-F238E27FC236}">
+                <a16:creationId xmlns:a16="http://schemas.microsoft.com/office/drawing/2014/main" id="{4EB4E24B-CC6F-9065-3AE7-C514CBFA9030}"/>
+              </a:ext>
+            </a:extLst>
+          </p:cNvPr>
+          <p:cNvPicPr>
+            <a:picLocks noChangeAspect="1"/>
+          </p:cNvPicPr>
+          <p:nvPr/>
+        </p:nvPicPr>
+        <p:blipFill>
+          <a:blip r:embed="rId3"/>
+          <a:stretch>
+            <a:fillRect/>
+          </a:stretch>
+        </p:blipFill>
+        <p:spPr>
+          <a:xfrm>
+            <a:off x="1155194" y="3429000"/>
+            <a:ext cx="9264683" cy="1811867"/>
+          </a:xfrm>
+          <a:prstGeom prst="rect">
+            <a:avLst/>
+          </a:prstGeom>
+        </p:spPr>
+      </p:pic>
+    </p:spTree>
+    <p:extLst>
+      <p:ext uri="{BB962C8B-B14F-4D97-AF65-F5344CB8AC3E}">
+        <p14:creationId xmlns:p14="http://schemas.microsoft.com/office/powerpoint/2010/main" val="690735408"/>
       </p:ext>
     </p:extLst>
   </p:cSld>
@@ -6767,7 +7047,17 @@
               <a:t>realizando</a:t>
             </a:r>
             <a:r>
-              <a:rPr sz="2400" b="1" spc="-5" dirty="0">
+              <a:rPr lang="en-US" sz="2400" b="1" spc="-5" dirty="0">
+                <a:solidFill>
+                  <a:srgbClr val="FFFFFF"/>
+                </a:solidFill>
+                <a:latin typeface="Arial"/>
+                <a:cs typeface="Arial"/>
+              </a:rPr>
+              <a:t> y</a:t>
+            </a:r>
+            <a:r>
+              <a:rPr sz="2400" b="1" dirty="0">
                 <a:solidFill>
                   <a:srgbClr val="FFFFFF"/>
                 </a:solidFill>
@@ -6777,14 +7067,14 @@
               <a:t> </a:t>
             </a:r>
             <a:r>
-              <a:rPr sz="2400" b="1" dirty="0">
+              <a:rPr sz="2400" b="1" spc="-5" dirty="0" err="1">
                 <a:solidFill>
                   <a:srgbClr val="FFFFFF"/>
                 </a:solidFill>
                 <a:latin typeface="Arial"/>
                 <a:cs typeface="Arial"/>
               </a:rPr>
-              <a:t>el </a:t>
+              <a:t>priorizando</a:t>
             </a:r>
             <a:r>
               <a:rPr sz="2400" b="1" spc="-5" dirty="0">
@@ -6794,7 +7084,7 @@
                 <a:latin typeface="Arial"/>
                 <a:cs typeface="Arial"/>
               </a:rPr>
-              <a:t>priorizando </a:t>
+              <a:t> </a:t>
             </a:r>
             <a:r>
               <a:rPr sz="2400" b="1" dirty="0">
@@ -6804,7 +7094,47 @@
                 <a:latin typeface="Arial"/>
                 <a:cs typeface="Arial"/>
               </a:rPr>
-              <a:t> manejo de funciones </a:t>
+              <a:t> </a:t>
+            </a:r>
+            <a:r>
+              <a:rPr lang="en-US" sz="2400" b="1" dirty="0" err="1">
+                <a:solidFill>
+                  <a:srgbClr val="FFFFFF"/>
+                </a:solidFill>
+                <a:latin typeface="Arial"/>
+                <a:cs typeface="Arial"/>
+              </a:rPr>
+              <a:t>el</a:t>
+            </a:r>
+            <a:r>
+              <a:rPr lang="en-US" sz="2400" b="1" dirty="0">
+                <a:solidFill>
+                  <a:srgbClr val="FFFFFF"/>
+                </a:solidFill>
+                <a:latin typeface="Arial"/>
+                <a:cs typeface="Arial"/>
+              </a:rPr>
+              <a:t> </a:t>
+            </a:r>
+            <a:r>
+              <a:rPr sz="2400" b="1" dirty="0" err="1">
+                <a:solidFill>
+                  <a:srgbClr val="FFFFFF"/>
+                </a:solidFill>
+                <a:latin typeface="Arial"/>
+                <a:cs typeface="Arial"/>
+              </a:rPr>
+              <a:t>manejo</a:t>
+            </a:r>
+            <a:r>
+              <a:rPr sz="2400" b="1" dirty="0">
+                <a:solidFill>
+                  <a:srgbClr val="FFFFFF"/>
+                </a:solidFill>
+                <a:latin typeface="Arial"/>
+                <a:cs typeface="Arial"/>
+              </a:rPr>
+              <a:t> de funciones </a:t>
             </a:r>
             <a:r>
               <a:rPr sz="2400" b="1" spc="-5" dirty="0">
@@ -7124,260 +7454,51 @@
       </p:sp>
       <p:sp>
         <p:nvSpPr>
-          <p:cNvPr id="4" name="object 6">
+          <p:cNvPr id="3" name="Marcador de contenido 2">
             <a:extLst>
               <a:ext uri="{FF2B5EF4-FFF2-40B4-BE49-F238E27FC236}">
-                <a16:creationId xmlns:a16="http://schemas.microsoft.com/office/drawing/2014/main" id="{6B0105B5-710D-D34F-A601-41BA37FD5302}"/>
+                <a16:creationId xmlns:a16="http://schemas.microsoft.com/office/drawing/2014/main" id="{7A1E8959-9A97-7607-8E5B-464D4537A16F}"/>
               </a:ext>
             </a:extLst>
           </p:cNvPr>
-          <p:cNvSpPr txBox="1"/>
-          <p:nvPr/>
+          <p:cNvSpPr>
+            <a:spLocks noGrp="1"/>
+          </p:cNvSpPr>
+          <p:nvPr>
+            <p:ph idx="1"/>
+          </p:nvPr>
         </p:nvSpPr>
         <p:spPr>
           <a:xfrm>
-            <a:off x="6044341" y="1511171"/>
-            <a:ext cx="5282565" cy="2714974"/>
+            <a:off x="1104293" y="1331259"/>
+            <a:ext cx="8946541" cy="4195481"/>
           </a:xfrm>
-          <a:prstGeom prst="rect">
-            <a:avLst/>
-          </a:prstGeom>
         </p:spPr>
         <p:txBody>
-          <a:bodyPr vert="horz" wrap="square" lIns="0" tIns="13335" rIns="0" bIns="0" rtlCol="0">
-            <a:spAutoFit/>
-          </a:bodyPr>
+          <a:bodyPr/>
           <a:lstStyle/>
           <a:p>
-            <a:pPr marL="12700" marR="5080" algn="just">
-              <a:lnSpc>
-                <a:spcPct val="150000"/>
-              </a:lnSpc>
-              <a:spcBef>
-                <a:spcPts val="105"/>
-              </a:spcBef>
-            </a:pPr>
-            <a:r>
-              <a:rPr sz="2400" dirty="0">
+            <a:r>
+              <a:rPr lang="es-ES" sz="2000" dirty="0">
                 <a:latin typeface="Arial MT"/>
                 <a:cs typeface="Arial MT"/>
               </a:rPr>
-              <a:t>El </a:t>
-            </a:r>
-            <a:r>
-              <a:rPr sz="2400" spc="-5" dirty="0">
+              <a:t>Crear una base de datos que simule a un grupo de bibliotecas en donde en base a ciertos parámetros sea posible hallar al usuario,</a:t>
+            </a:r>
+            <a:r>
+              <a:rPr lang="es-ES" dirty="0">
                 <a:latin typeface="Arial MT"/>
                 <a:cs typeface="Arial MT"/>
               </a:rPr>
-              <a:t>objetivo general </a:t>
-            </a:r>
-            <a:r>
-              <a:rPr sz="2400" dirty="0">
-                <a:latin typeface="Arial MT"/>
-                <a:cs typeface="Arial MT"/>
-              </a:rPr>
-              <a:t>de este proyecto es </a:t>
-            </a:r>
-            <a:r>
-              <a:rPr sz="2400" spc="-655" dirty="0">
-                <a:latin typeface="Arial MT"/>
-                <a:cs typeface="Arial MT"/>
-              </a:rPr>
-              <a:t> </a:t>
-            </a:r>
-            <a:r>
-              <a:rPr sz="2400" spc="-5" dirty="0">
-                <a:latin typeface="Arial MT"/>
-                <a:cs typeface="Arial MT"/>
-              </a:rPr>
-              <a:t>hacer</a:t>
-            </a:r>
-            <a:r>
-              <a:rPr sz="2400" spc="5" dirty="0">
-                <a:latin typeface="Arial MT"/>
-                <a:cs typeface="Arial MT"/>
-              </a:rPr>
-              <a:t> </a:t>
-            </a:r>
-            <a:r>
-              <a:rPr sz="2400" spc="-5" dirty="0">
-                <a:latin typeface="Arial MT"/>
-                <a:cs typeface="Arial MT"/>
-              </a:rPr>
-              <a:t>un</a:t>
-            </a:r>
-            <a:r>
-              <a:rPr sz="2400" dirty="0">
-                <a:latin typeface="Arial MT"/>
-                <a:cs typeface="Arial MT"/>
-              </a:rPr>
-              <a:t> sistema </a:t>
-            </a:r>
-            <a:r>
-              <a:rPr sz="2400" spc="-5" dirty="0">
-                <a:latin typeface="Arial MT"/>
-                <a:cs typeface="Arial MT"/>
-              </a:rPr>
-              <a:t>de</a:t>
-            </a:r>
-            <a:r>
-              <a:rPr sz="2400" dirty="0">
-                <a:latin typeface="Arial MT"/>
-                <a:cs typeface="Arial MT"/>
-              </a:rPr>
-              <a:t> </a:t>
-            </a:r>
-            <a:r>
-              <a:rPr lang="es-ES" sz="2400" dirty="0">
-                <a:latin typeface="Arial MT"/>
-                <a:cs typeface="Arial MT"/>
-              </a:rPr>
-              <a:t>una biblioteca </a:t>
-            </a:r>
-            <a:r>
-              <a:rPr sz="2400" spc="-5" dirty="0">
-                <a:latin typeface="Arial MT"/>
-                <a:cs typeface="Arial MT"/>
-              </a:rPr>
-              <a:t>la</a:t>
-            </a:r>
-            <a:r>
-              <a:rPr sz="2400" spc="10" dirty="0">
-                <a:latin typeface="Arial MT"/>
-                <a:cs typeface="Arial MT"/>
-              </a:rPr>
-              <a:t> </a:t>
-            </a:r>
-            <a:r>
-              <a:rPr sz="2400" spc="-5" dirty="0">
-                <a:latin typeface="Arial MT"/>
-                <a:cs typeface="Arial MT"/>
-              </a:rPr>
-              <a:t>cual</a:t>
-            </a:r>
-            <a:r>
-              <a:rPr sz="2400" spc="5" dirty="0">
-                <a:latin typeface="Arial MT"/>
-                <a:cs typeface="Arial MT"/>
-              </a:rPr>
-              <a:t> </a:t>
-            </a:r>
-            <a:r>
-              <a:rPr sz="2400" spc="-5" dirty="0">
-                <a:latin typeface="Arial MT"/>
-                <a:cs typeface="Arial MT"/>
-              </a:rPr>
-              <a:t>la </a:t>
-            </a:r>
-            <a:r>
-              <a:rPr sz="2400" dirty="0">
-                <a:latin typeface="Arial MT"/>
-                <a:cs typeface="Arial MT"/>
-              </a:rPr>
-              <a:t> </a:t>
-            </a:r>
-            <a:r>
-              <a:rPr lang="es-ES" sz="2400" spc="-5" dirty="0">
-                <a:latin typeface="Arial MT"/>
-                <a:cs typeface="Arial MT"/>
-              </a:rPr>
-              <a:t>se lo realizara una aplicación </a:t>
-            </a:r>
-            <a:r>
-              <a:rPr sz="2400" spc="-5" dirty="0">
-                <a:latin typeface="Arial MT"/>
-                <a:cs typeface="Arial MT"/>
-              </a:rPr>
-              <a:t>con</a:t>
-            </a:r>
-            <a:r>
-              <a:rPr sz="2400" dirty="0">
-                <a:latin typeface="Arial MT"/>
-                <a:cs typeface="Arial MT"/>
-              </a:rPr>
-              <a:t> </a:t>
-            </a:r>
-            <a:r>
-              <a:rPr sz="2400" spc="-5" dirty="0">
-                <a:latin typeface="Arial MT"/>
-                <a:cs typeface="Arial MT"/>
-              </a:rPr>
-              <a:t>el</a:t>
-            </a:r>
-            <a:r>
-              <a:rPr sz="2400" spc="5" dirty="0">
-                <a:latin typeface="Arial MT"/>
-                <a:cs typeface="Arial MT"/>
-              </a:rPr>
-              <a:t> </a:t>
-            </a:r>
-            <a:r>
-              <a:rPr sz="2400" dirty="0">
-                <a:latin typeface="Arial MT"/>
-                <a:cs typeface="Arial MT"/>
-              </a:rPr>
-              <a:t>sistema</a:t>
-            </a:r>
-            <a:r>
-              <a:rPr sz="2400" spc="10" dirty="0">
-                <a:latin typeface="Arial MT"/>
-                <a:cs typeface="Arial MT"/>
-              </a:rPr>
-              <a:t> </a:t>
-            </a:r>
-            <a:r>
-              <a:rPr sz="2400" spc="-5" dirty="0">
-                <a:latin typeface="Arial MT"/>
-                <a:cs typeface="Arial MT"/>
-              </a:rPr>
-              <a:t>sql </a:t>
-            </a:r>
-            <a:r>
-              <a:rPr sz="2400" dirty="0">
-                <a:latin typeface="Arial MT"/>
-                <a:cs typeface="Arial MT"/>
-              </a:rPr>
-              <a:t> </a:t>
-            </a:r>
-            <a:r>
-              <a:rPr sz="2400" spc="-5" dirty="0">
-                <a:latin typeface="Arial MT"/>
-                <a:cs typeface="Arial MT"/>
-              </a:rPr>
-              <a:t>server </a:t>
-            </a:r>
-            <a:r>
-              <a:rPr sz="2400" dirty="0">
-                <a:latin typeface="Arial MT"/>
-                <a:cs typeface="Arial MT"/>
-              </a:rPr>
-              <a:t>y </a:t>
-            </a:r>
-            <a:r>
-              <a:rPr sz="2400" spc="-5" dirty="0">
-                <a:latin typeface="Arial MT"/>
-                <a:cs typeface="Arial MT"/>
-              </a:rPr>
-              <a:t>visual</a:t>
-            </a:r>
-            <a:r>
-              <a:rPr sz="2400" spc="5" dirty="0">
-                <a:latin typeface="Arial MT"/>
-                <a:cs typeface="Arial MT"/>
-              </a:rPr>
-              <a:t> </a:t>
-            </a:r>
-            <a:r>
-              <a:rPr sz="2400" spc="-5" dirty="0">
-                <a:latin typeface="Arial MT"/>
-                <a:cs typeface="Arial MT"/>
-              </a:rPr>
-              <a:t>studio.</a:t>
-            </a:r>
-            <a:endParaRPr sz="2400" dirty="0">
+              <a:t> libro, la biblioteca correspondiente e incluso al genero del libro que uno quiere buscar.</a:t>
+            </a:r>
+            <a:endParaRPr lang="es-ES" sz="2000" dirty="0">
               <a:latin typeface="Arial MT"/>
               <a:cs typeface="Arial MT"/>
             </a:endParaRPr>
+          </a:p>
+          <a:p>
+            <a:endParaRPr lang="en-US" dirty="0"/>
           </a:p>
         </p:txBody>
       </p:sp>
@@ -7409,8 +7530,8 @@
         </p:blipFill>
         <p:spPr>
           <a:xfrm>
-            <a:off x="7817450" y="4343006"/>
-            <a:ext cx="3561115" cy="2145876"/>
+            <a:off x="6657516" y="2973180"/>
+            <a:ext cx="4885008" cy="2943635"/>
           </a:xfrm>
           <a:prstGeom prst="rect">
             <a:avLst/>
@@ -7419,10 +7540,10 @@
       </p:pic>
       <p:pic>
         <p:nvPicPr>
-          <p:cNvPr id="8" name="Imagen 7">
+          <p:cNvPr id="7" name="Imagen 6">
             <a:extLst>
               <a:ext uri="{FF2B5EF4-FFF2-40B4-BE49-F238E27FC236}">
-                <a16:creationId xmlns:a16="http://schemas.microsoft.com/office/drawing/2014/main" id="{45810F45-6FA2-8B1E-724F-FB6DA5314C05}"/>
+                <a16:creationId xmlns:a16="http://schemas.microsoft.com/office/drawing/2014/main" id="{8400D2A2-BE95-DD04-3816-2304121F9A83}"/>
               </a:ext>
             </a:extLst>
           </p:cNvPr>
@@ -7432,21 +7553,15 @@
           <p:nvPr/>
         </p:nvPicPr>
         <p:blipFill>
-          <a:blip r:embed="rId3">
-            <a:extLst>
-              <a:ext uri="{28A0092B-C50C-407E-A947-70E740481C1C}">
-                <a14:useLocalDpi xmlns:a14="http://schemas.microsoft.com/office/drawing/2010/main" val="0"/>
-              </a:ext>
-            </a:extLst>
-          </a:blip>
+          <a:blip r:embed="rId3"/>
           <a:stretch>
             <a:fillRect/>
           </a:stretch>
         </p:blipFill>
         <p:spPr>
           <a:xfrm>
-            <a:off x="646111" y="1484443"/>
-            <a:ext cx="3770906" cy="3399127"/>
+            <a:off x="1174385" y="2973182"/>
+            <a:ext cx="5220429" cy="2943636"/>
           </a:xfrm>
           <a:prstGeom prst="rect">
             <a:avLst/>
@@ -7485,6 +7600,226 @@
       </p:grpSpPr>
       <p:sp>
         <p:nvSpPr>
+          <p:cNvPr id="4" name="Título 3">
+            <a:extLst>
+              <a:ext uri="{FF2B5EF4-FFF2-40B4-BE49-F238E27FC236}">
+                <a16:creationId xmlns:a16="http://schemas.microsoft.com/office/drawing/2014/main" id="{235F7717-5996-4624-F3C6-90238BD672EA}"/>
+              </a:ext>
+            </a:extLst>
+          </p:cNvPr>
+          <p:cNvSpPr>
+            <a:spLocks noGrp="1"/>
+          </p:cNvSpPr>
+          <p:nvPr>
+            <p:ph type="title"/>
+          </p:nvPr>
+        </p:nvSpPr>
+        <p:spPr/>
+        <p:txBody>
+          <a:bodyPr/>
+          <a:lstStyle/>
+          <a:p>
+            <a:r>
+              <a:rPr lang="en-US" dirty="0" err="1"/>
+              <a:t>Diseño</a:t>
+            </a:r>
+            <a:r>
+              <a:rPr lang="en-US" dirty="0"/>
+              <a:t> </a:t>
+            </a:r>
+            <a:r>
+              <a:rPr lang="en-US" dirty="0" err="1"/>
+              <a:t>en</a:t>
+            </a:r>
+            <a:r>
+              <a:rPr lang="en-US" dirty="0"/>
+              <a:t> Visual Studio</a:t>
+            </a:r>
+          </a:p>
+        </p:txBody>
+      </p:sp>
+      <p:pic>
+        <p:nvPicPr>
+          <p:cNvPr id="6" name="Imagen 5">
+            <a:extLst>
+              <a:ext uri="{FF2B5EF4-FFF2-40B4-BE49-F238E27FC236}">
+                <a16:creationId xmlns:a16="http://schemas.microsoft.com/office/drawing/2014/main" id="{BAE520DB-A62B-2351-74BF-C4EA1F4E81A6}"/>
+              </a:ext>
+            </a:extLst>
+          </p:cNvPr>
+          <p:cNvPicPr>
+            <a:picLocks noChangeAspect="1"/>
+          </p:cNvPicPr>
+          <p:nvPr/>
+        </p:nvPicPr>
+        <p:blipFill>
+          <a:blip r:embed="rId2"/>
+          <a:stretch>
+            <a:fillRect/>
+          </a:stretch>
+        </p:blipFill>
+        <p:spPr>
+          <a:xfrm>
+            <a:off x="299750" y="1325976"/>
+            <a:ext cx="5811061" cy="3648584"/>
+          </a:xfrm>
+          <a:prstGeom prst="rect">
+            <a:avLst/>
+          </a:prstGeom>
+        </p:spPr>
+      </p:pic>
+      <p:pic>
+        <p:nvPicPr>
+          <p:cNvPr id="8" name="Imagen 7">
+            <a:extLst>
+              <a:ext uri="{FF2B5EF4-FFF2-40B4-BE49-F238E27FC236}">
+                <a16:creationId xmlns:a16="http://schemas.microsoft.com/office/drawing/2014/main" id="{7A4F394E-6D9F-3E99-E2ED-D2BFE0EF8821}"/>
+              </a:ext>
+            </a:extLst>
+          </p:cNvPr>
+          <p:cNvPicPr>
+            <a:picLocks noChangeAspect="1"/>
+          </p:cNvPicPr>
+          <p:nvPr/>
+        </p:nvPicPr>
+        <p:blipFill>
+          <a:blip r:embed="rId3"/>
+          <a:stretch>
+            <a:fillRect/>
+          </a:stretch>
+        </p:blipFill>
+        <p:spPr>
+          <a:xfrm>
+            <a:off x="5633452" y="3150268"/>
+            <a:ext cx="6258798" cy="3381847"/>
+          </a:xfrm>
+          <a:prstGeom prst="rect">
+            <a:avLst/>
+          </a:prstGeom>
+        </p:spPr>
+      </p:pic>
+    </p:spTree>
+    <p:extLst>
+      <p:ext uri="{BB962C8B-B14F-4D97-AF65-F5344CB8AC3E}">
+        <p14:creationId xmlns:p14="http://schemas.microsoft.com/office/powerpoint/2010/main" val="156361210"/>
+      </p:ext>
+    </p:extLst>
+  </p:cSld>
+  <p:clrMapOvr>
+    <a:masterClrMapping/>
+  </p:clrMapOvr>
+</p:sld>
+</file>
+
+<file path=ppt/slides/slide6.xml><?xml version="1.0" encoding="utf-8"?>
+<p:sld xmlns:a="http://schemas.openxmlformats.org/drawingml/2006/main" xmlns:r="http://schemas.openxmlformats.org/officeDocument/2006/relationships" xmlns:p="http://schemas.openxmlformats.org/presentationml/2006/main">
+  <p:cSld>
+    <p:spTree>
+      <p:nvGrpSpPr>
+        <p:cNvPr id="1" name=""/>
+        <p:cNvGrpSpPr/>
+        <p:nvPr/>
+      </p:nvGrpSpPr>
+      <p:grpSpPr>
+        <a:xfrm>
+          <a:off x="0" y="0"/>
+          <a:ext cx="0" cy="0"/>
+          <a:chOff x="0" y="0"/>
+          <a:chExt cx="0" cy="0"/>
+        </a:xfrm>
+      </p:grpSpPr>
+      <p:pic>
+        <p:nvPicPr>
+          <p:cNvPr id="4" name="Imagen 3">
+            <a:extLst>
+              <a:ext uri="{FF2B5EF4-FFF2-40B4-BE49-F238E27FC236}">
+                <a16:creationId xmlns:a16="http://schemas.microsoft.com/office/drawing/2014/main" id="{87A6B4D7-7B55-952F-22DC-B35EC61B3E03}"/>
+              </a:ext>
+            </a:extLst>
+          </p:cNvPr>
+          <p:cNvPicPr>
+            <a:picLocks noChangeAspect="1"/>
+          </p:cNvPicPr>
+          <p:nvPr/>
+        </p:nvPicPr>
+        <p:blipFill>
+          <a:blip r:embed="rId2"/>
+          <a:stretch>
+            <a:fillRect/>
+          </a:stretch>
+        </p:blipFill>
+        <p:spPr>
+          <a:xfrm>
+            <a:off x="300456" y="279666"/>
+            <a:ext cx="5372850" cy="4763165"/>
+          </a:xfrm>
+          <a:prstGeom prst="rect">
+            <a:avLst/>
+          </a:prstGeom>
+        </p:spPr>
+      </p:pic>
+      <p:pic>
+        <p:nvPicPr>
+          <p:cNvPr id="6" name="Imagen 5">
+            <a:extLst>
+              <a:ext uri="{FF2B5EF4-FFF2-40B4-BE49-F238E27FC236}">
+                <a16:creationId xmlns:a16="http://schemas.microsoft.com/office/drawing/2014/main" id="{2A025F28-C05A-CC25-9853-3DA8FC4FDD96}"/>
+              </a:ext>
+            </a:extLst>
+          </p:cNvPr>
+          <p:cNvPicPr>
+            <a:picLocks noChangeAspect="1"/>
+          </p:cNvPicPr>
+          <p:nvPr/>
+        </p:nvPicPr>
+        <p:blipFill>
+          <a:blip r:embed="rId3"/>
+          <a:stretch>
+            <a:fillRect/>
+          </a:stretch>
+        </p:blipFill>
+        <p:spPr>
+          <a:xfrm>
+            <a:off x="5776857" y="2031047"/>
+            <a:ext cx="5934903" cy="4210638"/>
+          </a:xfrm>
+          <a:prstGeom prst="rect">
+            <a:avLst/>
+          </a:prstGeom>
+        </p:spPr>
+      </p:pic>
+    </p:spTree>
+    <p:extLst>
+      <p:ext uri="{BB962C8B-B14F-4D97-AF65-F5344CB8AC3E}">
+        <p14:creationId xmlns:p14="http://schemas.microsoft.com/office/powerpoint/2010/main" val="971213561"/>
+      </p:ext>
+    </p:extLst>
+  </p:cSld>
+  <p:clrMapOvr>
+    <a:masterClrMapping/>
+  </p:clrMapOvr>
+</p:sld>
+</file>
+
+<file path=ppt/slides/slide7.xml><?xml version="1.0" encoding="utf-8"?>
+<p:sld xmlns:a="http://schemas.openxmlformats.org/drawingml/2006/main" xmlns:r="http://schemas.openxmlformats.org/officeDocument/2006/relationships" xmlns:p="http://schemas.openxmlformats.org/presentationml/2006/main">
+  <p:cSld>
+    <p:spTree>
+      <p:nvGrpSpPr>
+        <p:cNvPr id="1" name=""/>
+        <p:cNvGrpSpPr/>
+        <p:nvPr/>
+      </p:nvGrpSpPr>
+      <p:grpSpPr>
+        <a:xfrm>
+          <a:off x="0" y="0"/>
+          <a:ext cx="0" cy="0"/>
+          <a:chOff x="0" y="0"/>
+          <a:chExt cx="0" cy="0"/>
+        </a:xfrm>
+      </p:grpSpPr>
+      <p:sp>
+        <p:nvSpPr>
           <p:cNvPr id="2" name="Título 1">
             <a:extLst>
               <a:ext uri="{FF2B5EF4-FFF2-40B4-BE49-F238E27FC236}">
@@ -7544,8 +7879,8 @@
         </p:nvSpPr>
         <p:spPr>
           <a:xfrm>
-            <a:off x="7129219" y="1649682"/>
-            <a:ext cx="4711485" cy="2160335"/>
+            <a:off x="646111" y="1285615"/>
+            <a:ext cx="6679915" cy="498342"/>
           </a:xfrm>
           <a:prstGeom prst="rect">
             <a:avLst/>
@@ -7566,186 +7901,81 @@
               </a:spcBef>
             </a:pPr>
             <a:r>
-              <a:rPr sz="2400" spc="-5" dirty="0">
+              <a:rPr lang="en-US" sz="2400" spc="-5" dirty="0">
                 <a:latin typeface="Arial MT"/>
                 <a:cs typeface="Arial MT"/>
               </a:rPr>
-              <a:t>Ubicar</a:t>
-            </a:r>
-            <a:r>
-              <a:rPr sz="2400" spc="10" dirty="0">
+              <a:t>El </a:t>
+            </a:r>
+            <a:r>
+              <a:rPr lang="en-US" sz="2400" spc="-5" dirty="0" err="1">
+                <a:latin typeface="Arial MT"/>
+                <a:cs typeface="Arial MT"/>
+              </a:rPr>
+              <a:t>diseño</a:t>
+            </a:r>
+            <a:r>
+              <a:rPr lang="en-US" sz="2400" spc="-5" dirty="0">
                 <a:latin typeface="Arial MT"/>
                 <a:cs typeface="Arial MT"/>
               </a:rPr>
               <a:t> </a:t>
             </a:r>
             <a:r>
-              <a:rPr sz="2400" dirty="0">
+              <a:rPr lang="en-US" sz="2400" spc="-5" dirty="0" err="1">
                 <a:latin typeface="Arial MT"/>
                 <a:cs typeface="Arial MT"/>
               </a:rPr>
-              <a:t>con</a:t>
-            </a:r>
-            <a:r>
-              <a:rPr sz="2400" spc="-15" dirty="0">
+              <a:t>en</a:t>
+            </a:r>
+            <a:r>
+              <a:rPr lang="en-US" sz="2400" spc="-5" dirty="0">
                 <a:latin typeface="Arial MT"/>
                 <a:cs typeface="Arial MT"/>
               </a:rPr>
               <a:t> </a:t>
             </a:r>
             <a:r>
-              <a:rPr sz="2400" dirty="0">
+              <a:rPr lang="en-US" sz="2400" spc="-5" dirty="0" err="1">
                 <a:latin typeface="Arial MT"/>
                 <a:cs typeface="Arial MT"/>
               </a:rPr>
-              <a:t>la</a:t>
-            </a:r>
-            <a:r>
-              <a:rPr sz="2400" spc="10" dirty="0">
+              <a:t>el</a:t>
+            </a:r>
+            <a:r>
+              <a:rPr lang="en-US" sz="2400" spc="-5" dirty="0">
+                <a:latin typeface="Arial MT"/>
+                <a:cs typeface="Arial MT"/>
+              </a:rPr>
+              <a:t> editor SQL es </a:t>
+            </a:r>
+            <a:r>
+              <a:rPr lang="en-US" sz="2400" spc="-5" dirty="0" err="1">
+                <a:latin typeface="Arial MT"/>
+                <a:cs typeface="Arial MT"/>
+              </a:rPr>
+              <a:t>el</a:t>
+            </a:r>
+            <a:r>
+              <a:rPr lang="en-US" sz="2400" spc="-5" dirty="0">
                 <a:latin typeface="Arial MT"/>
                 <a:cs typeface="Arial MT"/>
               </a:rPr>
               <a:t> </a:t>
             </a:r>
             <a:r>
-              <a:rPr sz="2400" spc="-5" dirty="0">
+              <a:rPr lang="en-US" sz="2400" spc="-5" dirty="0" err="1">
                 <a:latin typeface="Arial MT"/>
                 <a:cs typeface="Arial MT"/>
               </a:rPr>
-              <a:t>ayuda</a:t>
-            </a:r>
-            <a:r>
-              <a:rPr sz="2400" dirty="0">
+              <a:t>siguiente</a:t>
+            </a:r>
+            <a:r>
+              <a:rPr lang="en-US" sz="2400" spc="-5" dirty="0">
                 <a:latin typeface="Arial MT"/>
                 <a:cs typeface="Arial MT"/>
               </a:rPr>
-              <a:t> de</a:t>
-            </a:r>
-            <a:r>
-              <a:rPr sz="2400" spc="-15" dirty="0">
-                <a:latin typeface="Arial MT"/>
-                <a:cs typeface="Arial MT"/>
-              </a:rPr>
-              <a:t> </a:t>
-            </a:r>
-            <a:r>
-              <a:rPr sz="2400" spc="-5" dirty="0">
-                <a:latin typeface="Arial MT"/>
-                <a:cs typeface="Arial MT"/>
-              </a:rPr>
-              <a:t>funciones</a:t>
-            </a:r>
-            <a:r>
-              <a:rPr sz="2400" spc="25" dirty="0">
-                <a:latin typeface="Arial MT"/>
-                <a:cs typeface="Arial MT"/>
-              </a:rPr>
-              <a:t> </a:t>
-            </a:r>
-            <a:r>
-              <a:rPr sz="2400" spc="-5" dirty="0">
-                <a:latin typeface="Arial MT"/>
-                <a:cs typeface="Arial MT"/>
-              </a:rPr>
-              <a:t>las </a:t>
-            </a:r>
-            <a:r>
-              <a:rPr sz="2400" dirty="0">
-                <a:latin typeface="Arial MT"/>
-                <a:cs typeface="Arial MT"/>
-              </a:rPr>
-              <a:t> </a:t>
-            </a:r>
-            <a:r>
-              <a:rPr sz="2400" spc="-5" dirty="0">
-                <a:latin typeface="Arial MT"/>
-                <a:cs typeface="Arial MT"/>
-              </a:rPr>
-              <a:t>consultas</a:t>
-            </a:r>
-            <a:r>
-              <a:rPr sz="2400" spc="15" dirty="0">
-                <a:latin typeface="Arial MT"/>
-                <a:cs typeface="Arial MT"/>
-              </a:rPr>
-              <a:t> </a:t>
-            </a:r>
-            <a:r>
-              <a:rPr sz="2400" spc="-5" dirty="0">
-                <a:latin typeface="Arial MT"/>
-                <a:cs typeface="Arial MT"/>
-              </a:rPr>
-              <a:t>que</a:t>
-            </a:r>
-            <a:r>
-              <a:rPr sz="2400" spc="5" dirty="0">
-                <a:latin typeface="Arial MT"/>
-                <a:cs typeface="Arial MT"/>
-              </a:rPr>
-              <a:t> </a:t>
-            </a:r>
-            <a:r>
-              <a:rPr sz="2400" spc="-5" dirty="0">
-                <a:latin typeface="Arial MT"/>
-                <a:cs typeface="Arial MT"/>
-              </a:rPr>
-              <a:t>puede</a:t>
-            </a:r>
-            <a:r>
-              <a:rPr sz="2400" spc="15" dirty="0">
-                <a:latin typeface="Arial MT"/>
-                <a:cs typeface="Arial MT"/>
-              </a:rPr>
-              <a:t> </a:t>
-            </a:r>
-            <a:r>
-              <a:rPr sz="2400" spc="-5" dirty="0">
-                <a:latin typeface="Arial MT"/>
-                <a:cs typeface="Arial MT"/>
-              </a:rPr>
-              <a:t>ayudar</a:t>
-            </a:r>
-            <a:r>
-              <a:rPr sz="2400" spc="15" dirty="0">
-                <a:latin typeface="Arial MT"/>
-                <a:cs typeface="Arial MT"/>
-              </a:rPr>
-              <a:t> </a:t>
-            </a:r>
-            <a:r>
-              <a:rPr sz="2400" spc="-5" dirty="0">
-                <a:latin typeface="Arial MT"/>
-                <a:cs typeface="Arial MT"/>
-              </a:rPr>
-              <a:t>identificar </a:t>
-            </a:r>
-            <a:r>
-              <a:rPr sz="2400" spc="-650" dirty="0">
-                <a:latin typeface="Arial MT"/>
-                <a:cs typeface="Arial MT"/>
-              </a:rPr>
-              <a:t> </a:t>
-            </a:r>
-            <a:r>
-              <a:rPr sz="2400" spc="-5" dirty="0">
-                <a:latin typeface="Arial MT"/>
-                <a:cs typeface="Arial MT"/>
-              </a:rPr>
-              <a:t>al</a:t>
-            </a:r>
-            <a:r>
-              <a:rPr sz="2400" spc="-15" dirty="0">
-                <a:latin typeface="Arial MT"/>
-                <a:cs typeface="Arial MT"/>
-              </a:rPr>
-              <a:t> </a:t>
-            </a:r>
-            <a:r>
-              <a:rPr sz="2400" spc="-5" dirty="0">
-                <a:latin typeface="Arial MT"/>
-                <a:cs typeface="Arial MT"/>
-              </a:rPr>
-              <a:t>usuario.</a:t>
+              <a:t>:</a:t>
             </a:r>
             <a:endParaRPr sz="2400" dirty="0">
               <a:latin typeface="Arial MT"/>
@@ -7782,8 +8012,8 @@
         </p:blipFill>
         <p:spPr>
           <a:xfrm>
-            <a:off x="638919" y="1649683"/>
-            <a:ext cx="6000085" cy="3836718"/>
+            <a:off x="1713855" y="1776012"/>
+            <a:ext cx="7947512" cy="5081988"/>
           </a:xfrm>
           <a:prstGeom prst="rect">
             <a:avLst/>
@@ -7803,7 +8033,7 @@
 </p:sld>
 </file>
 
-<file path=ppt/slides/slide6.xml><?xml version="1.0" encoding="utf-8"?>
+<file path=ppt/slides/slide8.xml><?xml version="1.0" encoding="utf-8"?>
 <p:sld xmlns:a="http://schemas.openxmlformats.org/drawingml/2006/main" xmlns:r="http://schemas.openxmlformats.org/officeDocument/2006/relationships" xmlns:p="http://schemas.openxmlformats.org/presentationml/2006/main">
   <p:cSld>
     <p:spTree>
@@ -7920,7 +8150,7 @@
         <p:spPr>
           <a:xfrm>
             <a:off x="520156" y="1965658"/>
-            <a:ext cx="10840102" cy="3646960"/>
+            <a:ext cx="10840102" cy="4570290"/>
           </a:xfrm>
           <a:prstGeom prst="rect">
             <a:avLst/>
@@ -8244,23 +8474,19 @@
             </a:r>
             <a:r>
               <a:rPr lang="es-ES" spc="-5" dirty="0"/>
-              <a:t>en el programa draw.io donde</a:t>
+              <a:t>en el programa draw.io donde se nos muestra </a:t>
+            </a:r>
+            <a:r>
+              <a:rPr lang="es-ES" dirty="0"/>
+              <a:t>cada</a:t>
             </a:r>
             <a:r>
               <a:rPr lang="es-ES" spc="10" dirty="0"/>
               <a:t> </a:t>
             </a:r>
             <a:r>
-              <a:rPr lang="es-ES" dirty="0"/>
-              <a:t>cada</a:t>
-            </a:r>
-            <a:r>
-              <a:rPr lang="es-ES" spc="10" dirty="0"/>
-              <a:t> </a:t>
-            </a:r>
-            <a:r>
               <a:rPr lang="es-ES" spc="-5" dirty="0"/>
-              <a:t>relacionamos las tablas y entidades con las herramientas que nos ofrecen.</a:t>
+              <a:t>entidad y sus atributos y el como se relacionan unas entre otras, gracias a las herramientas que nos ofrecen.</a:t>
             </a:r>
             <a:endParaRPr lang="es-ES" dirty="0"/>
           </a:p>
@@ -8294,8 +8520,8 @@
         </p:blipFill>
         <p:spPr>
           <a:xfrm>
-            <a:off x="1076593" y="1911018"/>
-            <a:ext cx="5143393" cy="3665349"/>
+            <a:off x="646113" y="1496151"/>
+            <a:ext cx="6145474" cy="4379464"/>
           </a:xfrm>
           <a:prstGeom prst="rect">
             <a:avLst/>
@@ -8315,7 +8541,7 @@
 </p:sld>
 </file>
 
-<file path=ppt/slides/slide7.xml><?xml version="1.0" encoding="utf-8"?>
+<file path=ppt/slides/slide9.xml><?xml version="1.0" encoding="utf-8"?>
 <p:sld xmlns:a="http://schemas.openxmlformats.org/drawingml/2006/main" xmlns:r="http://schemas.openxmlformats.org/officeDocument/2006/relationships" xmlns:p="http://schemas.openxmlformats.org/presentationml/2006/main">
   <p:cSld>
     <p:spTree>
@@ -8337,498 +8563,6 @@
           <p:cNvPr id="2" name="Título 1">
             <a:extLst>
               <a:ext uri="{FF2B5EF4-FFF2-40B4-BE49-F238E27FC236}">
-                <a16:creationId xmlns:a16="http://schemas.microsoft.com/office/drawing/2014/main" id="{60BAA807-BC01-ED86-155A-40F134211932}"/>
-              </a:ext>
-            </a:extLst>
-          </p:cNvPr>
-          <p:cNvSpPr>
-            <a:spLocks noGrp="1"/>
-          </p:cNvSpPr>
-          <p:nvPr>
-            <p:ph type="title"/>
-          </p:nvPr>
-        </p:nvSpPr>
-        <p:spPr/>
-        <p:txBody>
-          <a:bodyPr/>
-          <a:lstStyle/>
-          <a:p>
-            <a:r>
-              <a:rPr lang="es-ES" dirty="0"/>
-              <a:t>Funciones propias del </a:t>
-            </a:r>
-            <a:r>
-              <a:rPr lang="es-ES" dirty="0" err="1"/>
-              <a:t>sql</a:t>
-            </a:r>
-            <a:r>
-              <a:rPr lang="es-ES" dirty="0"/>
-              <a:t>-server</a:t>
-            </a:r>
-            <a:endParaRPr lang="es-BO" dirty="0"/>
-          </a:p>
-        </p:txBody>
-      </p:sp>
-      <p:sp>
-        <p:nvSpPr>
-          <p:cNvPr id="3" name="Marcador de contenido 2">
-            <a:extLst>
-              <a:ext uri="{FF2B5EF4-FFF2-40B4-BE49-F238E27FC236}">
-                <a16:creationId xmlns:a16="http://schemas.microsoft.com/office/drawing/2014/main" id="{E23CBBDD-A501-FDE8-DBDA-FD9D63E971AC}"/>
-              </a:ext>
-            </a:extLst>
-          </p:cNvPr>
-          <p:cNvSpPr>
-            <a:spLocks noGrp="1"/>
-          </p:cNvSpPr>
-          <p:nvPr>
-            <p:ph idx="1"/>
-          </p:nvPr>
-        </p:nvSpPr>
-        <p:spPr/>
-        <p:txBody>
-          <a:bodyPr>
-            <a:normAutofit/>
-          </a:bodyPr>
-          <a:lstStyle/>
-          <a:p>
-            <a:r>
-              <a:rPr lang="es-ES" dirty="0"/>
-              <a:t>FUNIONES PROPIAS</a:t>
-            </a:r>
-          </a:p>
-          <a:p>
-            <a:pPr marL="0" indent="0">
-              <a:buNone/>
-            </a:pPr>
-            <a:r>
-              <a:rPr lang="es-ES" sz="2000" spc="-5" dirty="0">
-                <a:latin typeface="Arial MT"/>
-                <a:cs typeface="Arial MT"/>
-              </a:rPr>
-              <a:t>En </a:t>
-            </a:r>
-            <a:r>
-              <a:rPr lang="es-ES" sz="2000" spc="-10" dirty="0">
-                <a:latin typeface="Arial MT"/>
-                <a:cs typeface="Arial MT"/>
-              </a:rPr>
-              <a:t>SQL-SERVER</a:t>
-            </a:r>
-            <a:r>
-              <a:rPr lang="es-ES" sz="2000" spc="35" dirty="0">
-                <a:latin typeface="Arial MT"/>
-                <a:cs typeface="Arial MT"/>
-              </a:rPr>
-              <a:t> </a:t>
-            </a:r>
-            <a:r>
-              <a:rPr lang="es-ES" sz="2000" spc="-5" dirty="0">
-                <a:latin typeface="Arial MT"/>
-                <a:cs typeface="Arial MT"/>
-              </a:rPr>
-              <a:t>se</a:t>
-            </a:r>
-            <a:r>
-              <a:rPr lang="es-ES" sz="2000" dirty="0">
-                <a:latin typeface="Arial MT"/>
-                <a:cs typeface="Arial MT"/>
-              </a:rPr>
-              <a:t> </a:t>
-            </a:r>
-            <a:r>
-              <a:rPr lang="es-ES" sz="2000" spc="-5" dirty="0">
-                <a:latin typeface="Arial MT"/>
-                <a:cs typeface="Arial MT"/>
-              </a:rPr>
-              <a:t>pueden</a:t>
-            </a:r>
-            <a:r>
-              <a:rPr lang="es-ES" sz="2000" spc="15" dirty="0">
-                <a:latin typeface="Arial MT"/>
-                <a:cs typeface="Arial MT"/>
-              </a:rPr>
-              <a:t> </a:t>
-            </a:r>
-            <a:r>
-              <a:rPr lang="es-ES" sz="2000" spc="-5" dirty="0">
-                <a:latin typeface="Arial MT"/>
-                <a:cs typeface="Arial MT"/>
-              </a:rPr>
-              <a:t>utilizar</a:t>
-            </a:r>
-            <a:r>
-              <a:rPr lang="es-ES" sz="2000" dirty="0">
-                <a:latin typeface="Arial MT"/>
-                <a:cs typeface="Arial MT"/>
-              </a:rPr>
-              <a:t> </a:t>
-            </a:r>
-            <a:r>
-              <a:rPr lang="es-ES" sz="2000" spc="-5" dirty="0">
-                <a:latin typeface="Arial MT"/>
-                <a:cs typeface="Arial MT"/>
-              </a:rPr>
-              <a:t>una</a:t>
-            </a:r>
-            <a:r>
-              <a:rPr lang="es-ES" sz="2000" spc="20" dirty="0">
-                <a:latin typeface="Arial MT"/>
-                <a:cs typeface="Arial MT"/>
-              </a:rPr>
-              <a:t> </a:t>
-            </a:r>
-            <a:r>
-              <a:rPr lang="es-ES" sz="2000" spc="-5" dirty="0">
-                <a:latin typeface="Arial MT"/>
-                <a:cs typeface="Arial MT"/>
-              </a:rPr>
-              <a:t>serie</a:t>
-            </a:r>
-            <a:r>
-              <a:rPr lang="es-ES" sz="2000" spc="10" dirty="0">
-                <a:latin typeface="Arial MT"/>
-                <a:cs typeface="Arial MT"/>
-              </a:rPr>
-              <a:t> </a:t>
-            </a:r>
-            <a:r>
-              <a:rPr lang="es-ES" sz="2000" spc="-5" dirty="0">
-                <a:latin typeface="Arial MT"/>
-                <a:cs typeface="Arial MT"/>
-              </a:rPr>
-              <a:t>de</a:t>
-            </a:r>
-            <a:r>
-              <a:rPr lang="es-ES" sz="2000" spc="15" dirty="0">
-                <a:latin typeface="Arial MT"/>
-                <a:cs typeface="Arial MT"/>
-              </a:rPr>
-              <a:t> </a:t>
-            </a:r>
-            <a:r>
-              <a:rPr lang="es-ES" sz="2000" dirty="0">
-                <a:latin typeface="Arial MT"/>
-                <a:cs typeface="Arial MT"/>
-              </a:rPr>
-              <a:t>funciones </a:t>
-            </a:r>
-            <a:r>
-              <a:rPr lang="es-ES" sz="2000" spc="-5" dirty="0">
-                <a:latin typeface="Arial MT"/>
-                <a:cs typeface="Arial MT"/>
-              </a:rPr>
-              <a:t>que</a:t>
-            </a:r>
-            <a:r>
-              <a:rPr lang="es-ES" sz="2000" spc="15" dirty="0">
-                <a:latin typeface="Arial MT"/>
-                <a:cs typeface="Arial MT"/>
-              </a:rPr>
-              <a:t> </a:t>
-            </a:r>
-            <a:r>
-              <a:rPr lang="es-ES" sz="2000" dirty="0">
-                <a:latin typeface="Arial MT"/>
-                <a:cs typeface="Arial MT"/>
-              </a:rPr>
-              <a:t>vienen </a:t>
-            </a:r>
-            <a:r>
-              <a:rPr lang="es-ES" sz="2000" spc="-765" dirty="0">
-                <a:latin typeface="Arial MT"/>
-                <a:cs typeface="Arial MT"/>
-              </a:rPr>
-              <a:t> </a:t>
-            </a:r>
-            <a:r>
-              <a:rPr lang="es-ES" sz="2000" dirty="0">
-                <a:latin typeface="Arial MT"/>
-                <a:cs typeface="Arial MT"/>
-              </a:rPr>
-              <a:t>integradas </a:t>
-            </a:r>
-            <a:r>
-              <a:rPr lang="es-ES" sz="2000" spc="-5" dirty="0">
-                <a:latin typeface="Arial MT"/>
-                <a:cs typeface="Arial MT"/>
-              </a:rPr>
-              <a:t>con </a:t>
-            </a:r>
-            <a:r>
-              <a:rPr lang="es-ES" sz="2000" dirty="0">
-                <a:latin typeface="Arial MT"/>
-                <a:cs typeface="Arial MT"/>
-              </a:rPr>
-              <a:t>el</a:t>
-            </a:r>
-            <a:r>
-              <a:rPr lang="es-ES" sz="2000" spc="-5" dirty="0">
-                <a:latin typeface="Arial MT"/>
-                <a:cs typeface="Arial MT"/>
-              </a:rPr>
-              <a:t> </a:t>
-            </a:r>
-            <a:r>
-              <a:rPr lang="es-ES" sz="2000" dirty="0">
-                <a:latin typeface="Arial MT"/>
-                <a:cs typeface="Arial MT"/>
-              </a:rPr>
-              <a:t>sistema:</a:t>
-            </a:r>
-          </a:p>
-          <a:p>
-            <a:pPr>
-              <a:lnSpc>
-                <a:spcPct val="100000"/>
-              </a:lnSpc>
-            </a:pPr>
-            <a:endParaRPr lang="es-ES" sz="2400" dirty="0">
-              <a:latin typeface="Arial MT"/>
-              <a:cs typeface="Arial MT"/>
-            </a:endParaRPr>
-          </a:p>
-          <a:p>
-            <a:pPr>
-              <a:lnSpc>
-                <a:spcPct val="100000"/>
-              </a:lnSpc>
-              <a:spcBef>
-                <a:spcPts val="55"/>
-              </a:spcBef>
-            </a:pPr>
-            <a:endParaRPr lang="es-ES" sz="2000" dirty="0">
-              <a:latin typeface="Arial MT"/>
-              <a:cs typeface="Arial MT"/>
-            </a:endParaRPr>
-          </a:p>
-          <a:p>
-            <a:pPr marL="12700" indent="0">
-              <a:lnSpc>
-                <a:spcPct val="100000"/>
-              </a:lnSpc>
-              <a:buNone/>
-              <a:tabLst>
-                <a:tab pos="469265" algn="l"/>
-                <a:tab pos="469900" algn="l"/>
-              </a:tabLst>
-            </a:pPr>
-            <a:r>
-              <a:rPr lang="es-ES" sz="2000" spc="-5" dirty="0">
-                <a:latin typeface="Arial MT"/>
-                <a:cs typeface="Arial MT"/>
-              </a:rPr>
-              <a:t>Funciones</a:t>
-            </a:r>
-            <a:r>
-              <a:rPr lang="es-ES" sz="2000" spc="-150" dirty="0">
-                <a:latin typeface="Arial MT"/>
-                <a:cs typeface="Arial MT"/>
-              </a:rPr>
-              <a:t> </a:t>
-            </a:r>
-            <a:r>
-              <a:rPr lang="es-ES" sz="2000" dirty="0">
-                <a:latin typeface="Arial MT"/>
-                <a:cs typeface="Arial MT"/>
-              </a:rPr>
-              <a:t>Analíticas.</a:t>
-            </a:r>
-          </a:p>
-          <a:p>
-            <a:pPr marL="12700" indent="0">
-              <a:lnSpc>
-                <a:spcPct val="100000"/>
-              </a:lnSpc>
-              <a:spcBef>
-                <a:spcPts val="1680"/>
-              </a:spcBef>
-              <a:buNone/>
-              <a:tabLst>
-                <a:tab pos="469265" algn="l"/>
-                <a:tab pos="469900" algn="l"/>
-              </a:tabLst>
-            </a:pPr>
-            <a:r>
-              <a:rPr lang="es-ES" sz="2000" spc="-5" dirty="0">
-                <a:latin typeface="Arial MT"/>
-                <a:cs typeface="Arial MT"/>
-              </a:rPr>
-              <a:t>Funciones de</a:t>
-            </a:r>
-            <a:r>
-              <a:rPr lang="es-ES" sz="2000" spc="-10" dirty="0">
-                <a:latin typeface="Arial MT"/>
-                <a:cs typeface="Arial MT"/>
-              </a:rPr>
-              <a:t> </a:t>
-            </a:r>
-            <a:r>
-              <a:rPr lang="es-ES" sz="2000" dirty="0">
-                <a:latin typeface="Arial MT"/>
-                <a:cs typeface="Arial MT"/>
-              </a:rPr>
-              <a:t>Categorías.</a:t>
-            </a:r>
-          </a:p>
-          <a:p>
-            <a:pPr marL="12700" indent="0">
-              <a:lnSpc>
-                <a:spcPct val="100000"/>
-              </a:lnSpc>
-              <a:spcBef>
-                <a:spcPts val="1680"/>
-              </a:spcBef>
-              <a:buNone/>
-              <a:tabLst>
-                <a:tab pos="469265" algn="l"/>
-                <a:tab pos="469900" algn="l"/>
-              </a:tabLst>
-            </a:pPr>
-            <a:r>
-              <a:rPr lang="es-ES" sz="2000" spc="-5" dirty="0">
-                <a:latin typeface="Arial MT"/>
-                <a:cs typeface="Arial MT"/>
-              </a:rPr>
-              <a:t>Funciones</a:t>
-            </a:r>
-            <a:r>
-              <a:rPr lang="es-ES" sz="2000" spc="10" dirty="0">
-                <a:latin typeface="Arial MT"/>
-                <a:cs typeface="Arial MT"/>
-              </a:rPr>
-              <a:t> </a:t>
-            </a:r>
-            <a:r>
-              <a:rPr lang="es-ES" sz="2000" spc="-5" dirty="0">
-                <a:latin typeface="Arial MT"/>
-                <a:cs typeface="Arial MT"/>
-              </a:rPr>
-              <a:t>de</a:t>
-            </a:r>
-            <a:r>
-              <a:rPr lang="es-ES" sz="2000" dirty="0">
-                <a:latin typeface="Arial MT"/>
-                <a:cs typeface="Arial MT"/>
-              </a:rPr>
-              <a:t> </a:t>
-            </a:r>
-            <a:r>
-              <a:rPr lang="es-ES" sz="2000" spc="-5" dirty="0">
-                <a:latin typeface="Arial MT"/>
-                <a:cs typeface="Arial MT"/>
-              </a:rPr>
-              <a:t>Conjunto</a:t>
-            </a:r>
-            <a:r>
-              <a:rPr lang="es-ES" sz="2000" spc="15" dirty="0">
-                <a:latin typeface="Arial MT"/>
-                <a:cs typeface="Arial MT"/>
-              </a:rPr>
-              <a:t> </a:t>
-            </a:r>
-            <a:r>
-              <a:rPr lang="es-ES" sz="2000" spc="-5" dirty="0">
-                <a:latin typeface="Arial MT"/>
-                <a:cs typeface="Arial MT"/>
-              </a:rPr>
-              <a:t>de</a:t>
-            </a:r>
-            <a:r>
-              <a:rPr lang="es-ES" sz="2000" spc="5" dirty="0">
-                <a:latin typeface="Arial MT"/>
-                <a:cs typeface="Arial MT"/>
-              </a:rPr>
-              <a:t> </a:t>
-            </a:r>
-            <a:r>
-              <a:rPr lang="es-ES" sz="2000" dirty="0">
-                <a:latin typeface="Arial MT"/>
-                <a:cs typeface="Arial MT"/>
-              </a:rPr>
-              <a:t>filas.</a:t>
-            </a:r>
-          </a:p>
-          <a:p>
-            <a:pPr marL="12700" indent="0">
-              <a:lnSpc>
-                <a:spcPct val="100000"/>
-              </a:lnSpc>
-              <a:spcBef>
-                <a:spcPts val="1680"/>
-              </a:spcBef>
-              <a:buNone/>
-              <a:tabLst>
-                <a:tab pos="469265" algn="l"/>
-                <a:tab pos="469900" algn="l"/>
-              </a:tabLst>
-            </a:pPr>
-            <a:r>
-              <a:rPr lang="es-ES" sz="2000" spc="-5" dirty="0">
-                <a:latin typeface="Arial MT"/>
-                <a:cs typeface="Arial MT"/>
-              </a:rPr>
-              <a:t>Funciones</a:t>
-            </a:r>
-            <a:r>
-              <a:rPr lang="es-ES" sz="2000" spc="5" dirty="0">
-                <a:latin typeface="Arial MT"/>
-                <a:cs typeface="Arial MT"/>
-              </a:rPr>
-              <a:t> </a:t>
-            </a:r>
-            <a:r>
-              <a:rPr lang="es-ES" sz="2000" spc="-5" dirty="0">
-                <a:latin typeface="Arial MT"/>
-                <a:cs typeface="Arial MT"/>
-              </a:rPr>
-              <a:t>Escalares.</a:t>
-            </a:r>
-            <a:endParaRPr lang="es-ES" sz="2000" dirty="0">
-              <a:latin typeface="Arial MT"/>
-              <a:cs typeface="Arial MT"/>
-            </a:endParaRPr>
-          </a:p>
-          <a:p>
-            <a:endParaRPr lang="es-BO" dirty="0"/>
-          </a:p>
-        </p:txBody>
-      </p:sp>
-    </p:spTree>
-    <p:extLst>
-      <p:ext uri="{BB962C8B-B14F-4D97-AF65-F5344CB8AC3E}">
-        <p14:creationId xmlns:p14="http://schemas.microsoft.com/office/powerpoint/2010/main" val="308972159"/>
-      </p:ext>
-    </p:extLst>
-  </p:cSld>
-  <p:clrMapOvr>
-    <a:masterClrMapping/>
-  </p:clrMapOvr>
-</p:sld>
-</file>
-
-<file path=ppt/slides/slide8.xml><?xml version="1.0" encoding="utf-8"?>
-<p:sld xmlns:a="http://schemas.openxmlformats.org/drawingml/2006/main" xmlns:r="http://schemas.openxmlformats.org/officeDocument/2006/relationships" xmlns:p="http://schemas.openxmlformats.org/presentationml/2006/main">
-  <p:cSld>
-    <p:spTree>
-      <p:nvGrpSpPr>
-        <p:cNvPr id="1" name=""/>
-        <p:cNvGrpSpPr/>
-        <p:nvPr/>
-      </p:nvGrpSpPr>
-      <p:grpSpPr>
-        <a:xfrm>
-          <a:off x="0" y="0"/>
-          <a:ext cx="0" cy="0"/>
-          <a:chOff x="0" y="0"/>
-          <a:chExt cx="0" cy="0"/>
-        </a:xfrm>
-      </p:grpSpPr>
-      <p:sp>
-        <p:nvSpPr>
-          <p:cNvPr id="2" name="Título 1">
-            <a:extLst>
-              <a:ext uri="{FF2B5EF4-FFF2-40B4-BE49-F238E27FC236}">
                 <a16:creationId xmlns:a16="http://schemas.microsoft.com/office/drawing/2014/main" id="{BC834ACD-0EB0-38A0-344D-5B983D1DF86E}"/>
               </a:ext>
             </a:extLst>
@@ -8847,47 +8581,7 @@
           <a:p>
             <a:r>
               <a:rPr lang="es-ES" dirty="0"/>
-              <a:t>¿</a:t>
-            </a:r>
-            <a:r>
-              <a:rPr lang="es-ES" spc="-30" dirty="0"/>
-              <a:t> Para</a:t>
-            </a:r>
-            <a:r>
-              <a:rPr lang="es-ES" spc="-40" dirty="0"/>
-              <a:t> </a:t>
-            </a:r>
-            <a:r>
-              <a:rPr lang="es-ES" dirty="0"/>
-              <a:t>que</a:t>
-            </a:r>
-            <a:r>
-              <a:rPr lang="es-ES" spc="-25" dirty="0"/>
-              <a:t> </a:t>
-            </a:r>
-            <a:r>
-              <a:rPr lang="es-ES" spc="-5" dirty="0"/>
-              <a:t>sirve</a:t>
-            </a:r>
-            <a:r>
-              <a:rPr lang="es-ES" spc="-35" dirty="0"/>
-              <a:t> </a:t>
-            </a:r>
-            <a:r>
-              <a:rPr lang="es-ES" dirty="0"/>
-              <a:t>la </a:t>
-            </a:r>
-            <a:r>
-              <a:rPr lang="es-ES" spc="-5" dirty="0" err="1"/>
-              <a:t>funcion</a:t>
-            </a:r>
-            <a:r>
-              <a:rPr lang="es-ES" spc="-25" dirty="0"/>
-              <a:t> </a:t>
-            </a:r>
-            <a:r>
-              <a:rPr lang="es-ES" spc="-50" dirty="0"/>
-              <a:t>CONCAT?</a:t>
+              <a:t>Manejo de funciones</a:t>
             </a:r>
             <a:endParaRPr lang="es-BO" dirty="0"/>
           </a:p>
@@ -8916,7 +8610,9 @@
           </a:xfrm>
         </p:spPr>
         <p:txBody>
-          <a:bodyPr/>
+          <a:bodyPr>
+            <a:normAutofit/>
+          </a:bodyPr>
           <a:lstStyle/>
           <a:p>
             <a:pPr marL="584200" indent="-571500" algn="just">
@@ -8940,341 +8636,75 @@
               </a:rPr>
               <a:t>Definición:</a:t>
             </a:r>
-            <a:endParaRPr lang="es-ES" sz="2000" dirty="0">
-              <a:latin typeface="Calibri"/>
-              <a:cs typeface="Calibri"/>
-            </a:endParaRPr>
-          </a:p>
-          <a:p>
-            <a:pPr algn="just">
+          </a:p>
+          <a:p>
+            <a:pPr marL="584200" indent="-571500" algn="just">
               <a:lnSpc>
                 <a:spcPct val="100000"/>
               </a:lnSpc>
               <a:spcBef>
-                <a:spcPts val="25"/>
+                <a:spcPts val="95"/>
               </a:spcBef>
+              <a:buFont typeface="Wingdings"/>
+              <a:buChar char=""/>
+              <a:tabLst>
+                <a:tab pos="583565" algn="l"/>
+                <a:tab pos="584200" algn="l"/>
+              </a:tabLst>
             </a:pPr>
+            <a:r>
+              <a:rPr lang="es-ES" spc="-10" dirty="0">
+                <a:latin typeface="Calibri"/>
+                <a:cs typeface="Calibri"/>
+              </a:rPr>
+              <a:t>Como sabemos el editor SQL cuenta con algunas funciones agregadas (</a:t>
+            </a:r>
+            <a:r>
+              <a:rPr lang="es-ES" spc="-10" dirty="0" err="1">
+                <a:latin typeface="Calibri"/>
+                <a:cs typeface="Calibri"/>
+              </a:rPr>
+              <a:t>max</a:t>
+            </a:r>
+            <a:r>
+              <a:rPr lang="es-ES" spc="-10" dirty="0">
+                <a:latin typeface="Calibri"/>
+                <a:cs typeface="Calibri"/>
+              </a:rPr>
+              <a:t>, min, </a:t>
+            </a:r>
+            <a:r>
+              <a:rPr lang="es-ES" spc="-10" dirty="0" err="1">
+                <a:latin typeface="Calibri"/>
+                <a:cs typeface="Calibri"/>
+              </a:rPr>
+              <a:t>count</a:t>
+            </a:r>
+            <a:r>
+              <a:rPr lang="es-ES" spc="-10" dirty="0">
+                <a:latin typeface="Calibri"/>
+                <a:cs typeface="Calibri"/>
+              </a:rPr>
+              <a:t>, </a:t>
+            </a:r>
+            <a:r>
+              <a:rPr lang="es-ES" spc="-10" dirty="0" err="1">
+                <a:latin typeface="Calibri"/>
+                <a:cs typeface="Calibri"/>
+              </a:rPr>
+              <a:t>avg</a:t>
+            </a:r>
+            <a:r>
+              <a:rPr lang="es-ES" spc="-10" dirty="0">
+                <a:latin typeface="Calibri"/>
+                <a:cs typeface="Calibri"/>
+              </a:rPr>
+              <a:t>, sum) donde nos permiten efectuar acciones, pero devolviéndonos un valor único agregado. Eso nos lleva a que debemos crear nosotros una función en donde guiándonos en ciertos parámetros, nos sea posible obtener valores enteros o en cadena.</a:t>
+            </a:r>
             <a:endParaRPr lang="es-ES" sz="4000" dirty="0">
               <a:latin typeface="Calibri"/>
               <a:cs typeface="Calibri"/>
             </a:endParaRPr>
-          </a:p>
-          <a:p>
-            <a:pPr marL="0" marR="5080" indent="0" algn="just">
-              <a:lnSpc>
-                <a:spcPct val="150000"/>
-              </a:lnSpc>
-              <a:buNone/>
-            </a:pPr>
-            <a:r>
-              <a:rPr lang="es-ES" sz="2000" spc="-5" dirty="0" err="1">
-                <a:latin typeface="Arial MT"/>
-                <a:cs typeface="Arial MT"/>
-              </a:rPr>
-              <a:t>Concat</a:t>
-            </a:r>
-            <a:r>
-              <a:rPr lang="es-ES" sz="2000" spc="5" dirty="0">
-                <a:latin typeface="Arial MT"/>
-                <a:cs typeface="Arial MT"/>
-              </a:rPr>
-              <a:t> </a:t>
-            </a:r>
-            <a:r>
-              <a:rPr lang="es-ES" sz="2000" spc="-5" dirty="0">
-                <a:latin typeface="Arial MT"/>
-                <a:cs typeface="Arial MT"/>
-              </a:rPr>
-              <a:t>toma</a:t>
-            </a:r>
-            <a:r>
-              <a:rPr lang="es-ES" sz="2000" spc="15" dirty="0">
-                <a:latin typeface="Arial MT"/>
-                <a:cs typeface="Arial MT"/>
-              </a:rPr>
-              <a:t> </a:t>
-            </a:r>
-            <a:r>
-              <a:rPr lang="es-ES" sz="2000" spc="-5" dirty="0">
-                <a:latin typeface="Arial MT"/>
-                <a:cs typeface="Arial MT"/>
-              </a:rPr>
-              <a:t>un</a:t>
-            </a:r>
-            <a:r>
-              <a:rPr lang="es-ES" sz="2000" dirty="0">
-                <a:latin typeface="Arial MT"/>
-                <a:cs typeface="Arial MT"/>
-              </a:rPr>
-              <a:t> </a:t>
-            </a:r>
-            <a:r>
-              <a:rPr lang="es-ES" sz="2000" spc="-5" dirty="0">
-                <a:latin typeface="Arial MT"/>
-                <a:cs typeface="Arial MT"/>
-              </a:rPr>
-              <a:t>numero</a:t>
-            </a:r>
-            <a:r>
-              <a:rPr lang="es-ES" sz="2000" spc="15" dirty="0">
-                <a:latin typeface="Arial MT"/>
-                <a:cs typeface="Arial MT"/>
-              </a:rPr>
-              <a:t> </a:t>
-            </a:r>
-            <a:r>
-              <a:rPr lang="es-ES" sz="2000" dirty="0">
-                <a:latin typeface="Arial MT"/>
-                <a:cs typeface="Arial MT"/>
-              </a:rPr>
-              <a:t>variable</a:t>
-            </a:r>
-            <a:r>
-              <a:rPr lang="es-ES" sz="2000" spc="-10" dirty="0">
-                <a:latin typeface="Arial MT"/>
-                <a:cs typeface="Arial MT"/>
-              </a:rPr>
-              <a:t> </a:t>
-            </a:r>
-            <a:r>
-              <a:rPr lang="es-ES" sz="2000" dirty="0">
-                <a:latin typeface="Arial MT"/>
-                <a:cs typeface="Arial MT"/>
-              </a:rPr>
-              <a:t>de </a:t>
-            </a:r>
-            <a:r>
-              <a:rPr lang="es-ES" sz="2000" spc="5" dirty="0">
-                <a:latin typeface="Arial MT"/>
-                <a:cs typeface="Arial MT"/>
-              </a:rPr>
-              <a:t> </a:t>
-            </a:r>
-            <a:r>
-              <a:rPr lang="es-ES" sz="2000" spc="-5" dirty="0">
-                <a:latin typeface="Arial MT"/>
-                <a:cs typeface="Arial MT"/>
-              </a:rPr>
-              <a:t>argumentos de</a:t>
-            </a:r>
-            <a:r>
-              <a:rPr lang="es-ES" sz="2000" spc="30" dirty="0">
-                <a:latin typeface="Arial MT"/>
-                <a:cs typeface="Arial MT"/>
-              </a:rPr>
-              <a:t> </a:t>
-            </a:r>
-            <a:r>
-              <a:rPr lang="es-ES" sz="2000" spc="-5" dirty="0">
-                <a:latin typeface="Arial MT"/>
-                <a:cs typeface="Arial MT"/>
-              </a:rPr>
-              <a:t>cadena</a:t>
-            </a:r>
-            <a:r>
-              <a:rPr lang="es-ES" sz="2000" spc="15" dirty="0">
-                <a:latin typeface="Arial MT"/>
-                <a:cs typeface="Arial MT"/>
-              </a:rPr>
-              <a:t> </a:t>
-            </a:r>
-            <a:r>
-              <a:rPr lang="es-ES" sz="2000" spc="-5" dirty="0">
-                <a:latin typeface="Arial MT"/>
-                <a:cs typeface="Arial MT"/>
-              </a:rPr>
-              <a:t>y los</a:t>
-            </a:r>
-            <a:r>
-              <a:rPr lang="es-ES" sz="2000" spc="5" dirty="0">
-                <a:latin typeface="Arial MT"/>
-                <a:cs typeface="Arial MT"/>
-              </a:rPr>
-              <a:t> </a:t>
-            </a:r>
-            <a:r>
-              <a:rPr lang="es-ES" sz="2000" dirty="0">
-                <a:latin typeface="Arial MT"/>
-                <a:cs typeface="Arial MT"/>
-              </a:rPr>
-              <a:t>conecta</a:t>
-            </a:r>
-            <a:r>
-              <a:rPr lang="es-ES" sz="2000" spc="-5" dirty="0">
-                <a:latin typeface="Arial MT"/>
-                <a:cs typeface="Arial MT"/>
-              </a:rPr>
-              <a:t> a </a:t>
-            </a:r>
-            <a:r>
-              <a:rPr lang="es-ES" sz="2000" spc="-765" dirty="0">
-                <a:latin typeface="Arial MT"/>
-                <a:cs typeface="Arial MT"/>
-              </a:rPr>
-              <a:t> </a:t>
-            </a:r>
-            <a:r>
-              <a:rPr lang="es-ES" sz="2000" spc="-5" dirty="0">
-                <a:latin typeface="Arial MT"/>
-                <a:cs typeface="Arial MT"/>
-              </a:rPr>
-              <a:t>una </a:t>
-            </a:r>
-            <a:r>
-              <a:rPr lang="es-ES" sz="2000" dirty="0">
-                <a:latin typeface="Arial MT"/>
-                <a:cs typeface="Arial MT"/>
-              </a:rPr>
-              <a:t>sola cadena, </a:t>
-            </a:r>
-            <a:r>
-              <a:rPr lang="es-ES" sz="2000" spc="-5" dirty="0">
-                <a:latin typeface="Arial MT"/>
-                <a:cs typeface="Arial MT"/>
-              </a:rPr>
-              <a:t>necesita un mínimo </a:t>
-            </a:r>
-            <a:r>
-              <a:rPr lang="es-ES" sz="2000" dirty="0">
-                <a:latin typeface="Arial MT"/>
-                <a:cs typeface="Arial MT"/>
-              </a:rPr>
-              <a:t> </a:t>
-            </a:r>
-            <a:r>
-              <a:rPr lang="es-ES" sz="2000" spc="-5" dirty="0">
-                <a:latin typeface="Arial MT"/>
-                <a:cs typeface="Arial MT"/>
-              </a:rPr>
-              <a:t>de</a:t>
-            </a:r>
-            <a:r>
-              <a:rPr lang="es-ES" sz="2000" dirty="0">
-                <a:latin typeface="Arial MT"/>
-                <a:cs typeface="Arial MT"/>
-              </a:rPr>
-              <a:t> dos valores</a:t>
-            </a:r>
-            <a:r>
-              <a:rPr lang="es-ES" sz="2000" spc="-10" dirty="0">
-                <a:latin typeface="Arial MT"/>
-                <a:cs typeface="Arial MT"/>
-              </a:rPr>
-              <a:t> </a:t>
-            </a:r>
-            <a:r>
-              <a:rPr lang="es-ES" sz="2000" spc="-5" dirty="0">
-                <a:latin typeface="Arial MT"/>
-                <a:cs typeface="Arial MT"/>
-              </a:rPr>
-              <a:t>de</a:t>
-            </a:r>
-            <a:r>
-              <a:rPr lang="es-ES" sz="2000" dirty="0">
-                <a:latin typeface="Arial MT"/>
-                <a:cs typeface="Arial MT"/>
-              </a:rPr>
-              <a:t> entrada</a:t>
-            </a:r>
-            <a:r>
-              <a:rPr lang="es-ES" sz="2000" spc="10" dirty="0">
-                <a:latin typeface="Arial MT"/>
-                <a:cs typeface="Arial MT"/>
-              </a:rPr>
-              <a:t> </a:t>
-            </a:r>
-            <a:r>
-              <a:rPr lang="es-ES" sz="2000" spc="-5" dirty="0">
-                <a:latin typeface="Arial MT"/>
-                <a:cs typeface="Arial MT"/>
-              </a:rPr>
-              <a:t>de</a:t>
-            </a:r>
-            <a:r>
-              <a:rPr lang="es-ES" sz="2000" dirty="0">
-                <a:latin typeface="Arial MT"/>
-                <a:cs typeface="Arial MT"/>
-              </a:rPr>
-              <a:t> </a:t>
-            </a:r>
-            <a:r>
-              <a:rPr lang="es-ES" sz="2000" spc="-5" dirty="0">
-                <a:latin typeface="Arial MT"/>
-                <a:cs typeface="Arial MT"/>
-              </a:rPr>
-              <a:t>lo </a:t>
-            </a:r>
-            <a:r>
-              <a:rPr lang="es-ES" sz="2000" dirty="0">
-                <a:latin typeface="Arial MT"/>
-                <a:cs typeface="Arial MT"/>
-              </a:rPr>
-              <a:t> contrario</a:t>
-            </a:r>
-            <a:r>
-              <a:rPr lang="es-ES" sz="2000" spc="-10" dirty="0">
-                <a:latin typeface="Arial MT"/>
-                <a:cs typeface="Arial MT"/>
-              </a:rPr>
-              <a:t> </a:t>
-            </a:r>
-            <a:r>
-              <a:rPr lang="es-ES" sz="2000" dirty="0">
-                <a:latin typeface="Arial MT"/>
-                <a:cs typeface="Arial MT"/>
-              </a:rPr>
-              <a:t>produce</a:t>
-            </a:r>
-            <a:r>
-              <a:rPr lang="es-ES" sz="2000" spc="-10" dirty="0">
-                <a:latin typeface="Arial MT"/>
-                <a:cs typeface="Arial MT"/>
-              </a:rPr>
-              <a:t> </a:t>
-            </a:r>
-            <a:r>
-              <a:rPr lang="es-ES" sz="2000" dirty="0">
-                <a:latin typeface="Arial MT"/>
-                <a:cs typeface="Arial MT"/>
-              </a:rPr>
-              <a:t>un</a:t>
-            </a:r>
-            <a:r>
-              <a:rPr lang="es-ES" sz="2000" spc="-15" dirty="0">
-                <a:latin typeface="Arial MT"/>
-                <a:cs typeface="Arial MT"/>
-              </a:rPr>
-              <a:t> </a:t>
-            </a:r>
-            <a:r>
-              <a:rPr lang="es-ES" sz="2000" dirty="0">
-                <a:latin typeface="Arial MT"/>
-                <a:cs typeface="Arial MT"/>
-              </a:rPr>
-              <a:t>error </a:t>
-            </a:r>
-            <a:r>
-              <a:rPr lang="es-ES" sz="2000" spc="-5" dirty="0">
-                <a:latin typeface="Arial MT"/>
-                <a:cs typeface="Arial MT"/>
-              </a:rPr>
-              <a:t>en</a:t>
-            </a:r>
-            <a:r>
-              <a:rPr lang="es-ES" sz="2000" spc="30" dirty="0">
-                <a:latin typeface="Arial MT"/>
-                <a:cs typeface="Arial MT"/>
-              </a:rPr>
-              <a:t> </a:t>
-            </a:r>
-            <a:r>
-              <a:rPr lang="es-ES" sz="2000" dirty="0" err="1">
-                <a:latin typeface="Arial MT"/>
-                <a:cs typeface="Arial MT"/>
-              </a:rPr>
-              <a:t>concat</a:t>
-            </a:r>
-            <a:endParaRPr lang="es-BO" dirty="0"/>
           </a:p>
         </p:txBody>
       </p:sp>
@@ -9318,379 +8748,6 @@
     <p:extLst>
       <p:ext uri="{BB962C8B-B14F-4D97-AF65-F5344CB8AC3E}">
         <p14:creationId xmlns:p14="http://schemas.microsoft.com/office/powerpoint/2010/main" val="3188356129"/>
-      </p:ext>
-    </p:extLst>
-  </p:cSld>
-  <p:clrMapOvr>
-    <a:masterClrMapping/>
-  </p:clrMapOvr>
-</p:sld>
-</file>
-
-<file path=ppt/slides/slide9.xml><?xml version="1.0" encoding="utf-8"?>
-<p:sld xmlns:a="http://schemas.openxmlformats.org/drawingml/2006/main" xmlns:r="http://schemas.openxmlformats.org/officeDocument/2006/relationships" xmlns:p="http://schemas.openxmlformats.org/presentationml/2006/main">
-  <p:cSld>
-    <p:spTree>
-      <p:nvGrpSpPr>
-        <p:cNvPr id="1" name=""/>
-        <p:cNvGrpSpPr/>
-        <p:nvPr/>
-      </p:nvGrpSpPr>
-      <p:grpSpPr>
-        <a:xfrm>
-          <a:off x="0" y="0"/>
-          <a:ext cx="0" cy="0"/>
-          <a:chOff x="0" y="0"/>
-          <a:chExt cx="0" cy="0"/>
-        </a:xfrm>
-      </p:grpSpPr>
-      <p:sp>
-        <p:nvSpPr>
-          <p:cNvPr id="2" name="Título 1">
-            <a:extLst>
-              <a:ext uri="{FF2B5EF4-FFF2-40B4-BE49-F238E27FC236}">
-                <a16:creationId xmlns:a16="http://schemas.microsoft.com/office/drawing/2014/main" id="{AB64D752-721F-FB83-1F84-4C7F46D15101}"/>
-              </a:ext>
-            </a:extLst>
-          </p:cNvPr>
-          <p:cNvSpPr>
-            <a:spLocks noGrp="1"/>
-          </p:cNvSpPr>
-          <p:nvPr>
-            <p:ph type="title"/>
-          </p:nvPr>
-        </p:nvSpPr>
-        <p:spPr/>
-        <p:txBody>
-          <a:bodyPr/>
-          <a:lstStyle/>
-          <a:p>
-            <a:r>
-              <a:rPr lang="es-ES" dirty="0"/>
-              <a:t>Ejemplo de uso del COUNT</a:t>
-            </a:r>
-            <a:endParaRPr lang="es-BO" dirty="0"/>
-          </a:p>
-        </p:txBody>
-      </p:sp>
-      <p:sp>
-        <p:nvSpPr>
-          <p:cNvPr id="3" name="Marcador de contenido 2">
-            <a:extLst>
-              <a:ext uri="{FF2B5EF4-FFF2-40B4-BE49-F238E27FC236}">
-                <a16:creationId xmlns:a16="http://schemas.microsoft.com/office/drawing/2014/main" id="{B4ADD402-EBAE-D76A-A849-E4EAFAAB54F8}"/>
-              </a:ext>
-            </a:extLst>
-          </p:cNvPr>
-          <p:cNvSpPr>
-            <a:spLocks noGrp="1"/>
-          </p:cNvSpPr>
-          <p:nvPr>
-            <p:ph idx="1"/>
-          </p:nvPr>
-        </p:nvSpPr>
-        <p:spPr>
-          <a:xfrm>
-            <a:off x="1456841" y="2052918"/>
-            <a:ext cx="8593012" cy="4195481"/>
-          </a:xfrm>
-        </p:spPr>
-        <p:txBody>
-          <a:bodyPr/>
-          <a:lstStyle/>
-          <a:p>
-            <a:pPr marL="584200" indent="-571500" algn="just">
-              <a:lnSpc>
-                <a:spcPct val="100000"/>
-              </a:lnSpc>
-              <a:spcBef>
-                <a:spcPts val="95"/>
-              </a:spcBef>
-              <a:buFont typeface="Wingdings"/>
-              <a:buChar char=""/>
-              <a:tabLst>
-                <a:tab pos="583565" algn="l"/>
-                <a:tab pos="584200" algn="l"/>
-              </a:tabLst>
-            </a:pPr>
-            <a:r>
-              <a:rPr lang="es-ES" sz="2000" b="1" spc="-5" dirty="0">
-                <a:latin typeface="Calibri"/>
-                <a:cs typeface="Calibri"/>
-              </a:rPr>
-              <a:t>Uso</a:t>
-            </a:r>
-            <a:r>
-              <a:rPr lang="es-ES" sz="2000" b="1" spc="-25" dirty="0">
-                <a:latin typeface="Calibri"/>
-                <a:cs typeface="Calibri"/>
-              </a:rPr>
-              <a:t> </a:t>
-            </a:r>
-            <a:r>
-              <a:rPr lang="es-ES" sz="2000" b="1" spc="-5" dirty="0">
-                <a:latin typeface="Calibri"/>
-                <a:cs typeface="Calibri"/>
-              </a:rPr>
-              <a:t>del</a:t>
-            </a:r>
-            <a:r>
-              <a:rPr lang="es-ES" sz="2000" b="1" spc="-10" dirty="0">
-                <a:latin typeface="Calibri"/>
-                <a:cs typeface="Calibri"/>
-              </a:rPr>
-              <a:t> </a:t>
-            </a:r>
-            <a:r>
-              <a:rPr lang="es-ES" sz="2000" b="1" spc="-35" dirty="0">
-                <a:latin typeface="Calibri"/>
-                <a:cs typeface="Calibri"/>
-              </a:rPr>
-              <a:t>COUNT:</a:t>
-            </a:r>
-            <a:endParaRPr lang="es-ES" sz="2000" dirty="0">
-              <a:latin typeface="Calibri"/>
-              <a:cs typeface="Calibri"/>
-            </a:endParaRPr>
-          </a:p>
-          <a:p>
-            <a:pPr algn="just">
-              <a:lnSpc>
-                <a:spcPct val="100000"/>
-              </a:lnSpc>
-              <a:spcBef>
-                <a:spcPts val="30"/>
-              </a:spcBef>
-            </a:pPr>
-            <a:endParaRPr lang="es-ES" sz="4000" dirty="0">
-              <a:latin typeface="Calibri"/>
-              <a:cs typeface="Calibri"/>
-            </a:endParaRPr>
-          </a:p>
-          <a:p>
-            <a:pPr marL="12700" marR="5080" algn="just">
-              <a:lnSpc>
-                <a:spcPct val="150000"/>
-              </a:lnSpc>
-            </a:pPr>
-            <a:r>
-              <a:rPr lang="es-ES" sz="2000" spc="-5" dirty="0">
-                <a:latin typeface="Arial MT"/>
-                <a:cs typeface="Arial MT"/>
-              </a:rPr>
-              <a:t>El</a:t>
-            </a:r>
-            <a:r>
-              <a:rPr lang="es-ES" sz="2000" spc="-15" dirty="0">
-                <a:latin typeface="Arial MT"/>
-                <a:cs typeface="Arial MT"/>
-              </a:rPr>
-              <a:t> </a:t>
-            </a:r>
-            <a:r>
-              <a:rPr lang="es-ES" sz="2000" spc="-5" dirty="0">
-                <a:latin typeface="Arial MT"/>
-                <a:cs typeface="Arial MT"/>
-              </a:rPr>
-              <a:t>COUNT()</a:t>
-            </a:r>
-            <a:r>
-              <a:rPr lang="es-ES" sz="2000" spc="30" dirty="0">
-                <a:latin typeface="Arial MT"/>
-                <a:cs typeface="Arial MT"/>
-              </a:rPr>
-              <a:t> </a:t>
-            </a:r>
-            <a:r>
-              <a:rPr lang="es-ES" sz="2000" spc="-5" dirty="0">
-                <a:latin typeface="Arial MT"/>
-                <a:cs typeface="Arial MT"/>
-              </a:rPr>
-              <a:t>es</a:t>
-            </a:r>
-            <a:r>
-              <a:rPr lang="es-ES" sz="2000" spc="-10" dirty="0">
-                <a:latin typeface="Arial MT"/>
-                <a:cs typeface="Arial MT"/>
-              </a:rPr>
-              <a:t> </a:t>
-            </a:r>
-            <a:r>
-              <a:rPr lang="es-ES" sz="2000" spc="-5" dirty="0">
-                <a:latin typeface="Arial MT"/>
-                <a:cs typeface="Arial MT"/>
-              </a:rPr>
-              <a:t>una</a:t>
-            </a:r>
-            <a:r>
-              <a:rPr lang="es-ES" sz="2000" spc="20" dirty="0">
-                <a:latin typeface="Arial MT"/>
-                <a:cs typeface="Arial MT"/>
-              </a:rPr>
-              <a:t> </a:t>
-            </a:r>
-            <a:r>
-              <a:rPr lang="es-ES" sz="2000" dirty="0">
-                <a:latin typeface="Arial MT"/>
-                <a:cs typeface="Arial MT"/>
-              </a:rPr>
-              <a:t>función agregada </a:t>
-            </a:r>
-            <a:r>
-              <a:rPr lang="es-ES" sz="2000" spc="5" dirty="0">
-                <a:latin typeface="Arial MT"/>
-                <a:cs typeface="Arial MT"/>
-              </a:rPr>
-              <a:t> </a:t>
-            </a:r>
-            <a:r>
-              <a:rPr lang="es-ES" sz="2000" spc="-5" dirty="0">
-                <a:latin typeface="Arial MT"/>
-                <a:cs typeface="Arial MT"/>
-              </a:rPr>
-              <a:t>del SQL que </a:t>
-            </a:r>
-            <a:r>
-              <a:rPr lang="es-ES" sz="2000" dirty="0">
-                <a:latin typeface="Arial MT"/>
-                <a:cs typeface="Arial MT"/>
-              </a:rPr>
-              <a:t>devuelve el </a:t>
-            </a:r>
-            <a:r>
-              <a:rPr lang="es-ES" sz="2000" spc="-5" dirty="0">
-                <a:latin typeface="Arial MT"/>
-                <a:cs typeface="Arial MT"/>
-              </a:rPr>
-              <a:t>numero </a:t>
-            </a:r>
-            <a:r>
-              <a:rPr lang="es-ES" sz="2000" dirty="0">
-                <a:latin typeface="Arial MT"/>
-                <a:cs typeface="Arial MT"/>
-              </a:rPr>
-              <a:t>de </a:t>
-            </a:r>
-            <a:r>
-              <a:rPr lang="es-ES" sz="2000" spc="5" dirty="0">
-                <a:latin typeface="Arial MT"/>
-                <a:cs typeface="Arial MT"/>
-              </a:rPr>
-              <a:t> </a:t>
-            </a:r>
-            <a:r>
-              <a:rPr lang="es-ES" sz="2000" spc="-5" dirty="0">
-                <a:latin typeface="Arial MT"/>
-                <a:cs typeface="Arial MT"/>
-              </a:rPr>
-              <a:t>elementos</a:t>
-            </a:r>
-            <a:r>
-              <a:rPr lang="es-ES" sz="2000" spc="10" dirty="0">
-                <a:latin typeface="Arial MT"/>
-                <a:cs typeface="Arial MT"/>
-              </a:rPr>
-              <a:t> </a:t>
-            </a:r>
-            <a:r>
-              <a:rPr lang="es-ES" sz="2000" dirty="0">
-                <a:latin typeface="Arial MT"/>
-                <a:cs typeface="Arial MT"/>
-              </a:rPr>
-              <a:t>encontrados</a:t>
-            </a:r>
-            <a:r>
-              <a:rPr lang="es-ES" sz="2000" spc="5" dirty="0">
-                <a:latin typeface="Arial MT"/>
-                <a:cs typeface="Arial MT"/>
-              </a:rPr>
-              <a:t> </a:t>
-            </a:r>
-            <a:r>
-              <a:rPr lang="es-ES" sz="2000" spc="-5" dirty="0">
-                <a:latin typeface="Arial MT"/>
-                <a:cs typeface="Arial MT"/>
-              </a:rPr>
-              <a:t>en</a:t>
-            </a:r>
-            <a:r>
-              <a:rPr lang="es-ES" sz="2000" spc="5" dirty="0">
-                <a:latin typeface="Arial MT"/>
-                <a:cs typeface="Arial MT"/>
-              </a:rPr>
-              <a:t> </a:t>
-            </a:r>
-            <a:r>
-              <a:rPr lang="es-ES" sz="2000" spc="-5" dirty="0">
-                <a:latin typeface="Arial MT"/>
-                <a:cs typeface="Arial MT"/>
-              </a:rPr>
-              <a:t>un</a:t>
-            </a:r>
-            <a:r>
-              <a:rPr lang="es-ES" sz="2000" spc="10" dirty="0">
-                <a:latin typeface="Arial MT"/>
-                <a:cs typeface="Arial MT"/>
-              </a:rPr>
-              <a:t> </a:t>
-            </a:r>
-            <a:r>
-              <a:rPr lang="es-ES" sz="2000" spc="-5" dirty="0">
-                <a:latin typeface="Arial MT"/>
-                <a:cs typeface="Arial MT"/>
-              </a:rPr>
-              <a:t>conjunto</a:t>
-            </a:r>
-            <a:endParaRPr lang="es-ES" sz="2000" dirty="0">
-              <a:latin typeface="Arial MT"/>
-              <a:cs typeface="Arial MT"/>
-            </a:endParaRPr>
-          </a:p>
-          <a:p>
-            <a:pPr algn="just"/>
-            <a:endParaRPr lang="es-BO" dirty="0"/>
-          </a:p>
-        </p:txBody>
-      </p:sp>
-      <p:pic>
-        <p:nvPicPr>
-          <p:cNvPr id="11" name="Imagen 10">
-            <a:extLst>
-              <a:ext uri="{FF2B5EF4-FFF2-40B4-BE49-F238E27FC236}">
-                <a16:creationId xmlns:a16="http://schemas.microsoft.com/office/drawing/2014/main" id="{E932B178-C522-7440-7C88-8EA6C67C5221}"/>
-              </a:ext>
-            </a:extLst>
-          </p:cNvPr>
-          <p:cNvPicPr>
-            <a:picLocks noChangeAspect="1"/>
-          </p:cNvPicPr>
-          <p:nvPr/>
-        </p:nvPicPr>
-        <p:blipFill rotWithShape="1">
-          <a:blip r:embed="rId2">
-            <a:extLst>
-              <a:ext uri="{28A0092B-C50C-407E-A947-70E740481C1C}">
-                <a14:useLocalDpi xmlns:a14="http://schemas.microsoft.com/office/drawing/2010/main" val="0"/>
-              </a:ext>
-            </a:extLst>
-          </a:blip>
-          <a:srcRect b="52456"/>
-          <a:stretch/>
-        </p:blipFill>
-        <p:spPr>
-          <a:xfrm>
-            <a:off x="1818866" y="4340262"/>
-            <a:ext cx="5057775" cy="2065020"/>
-          </a:xfrm>
-          <a:prstGeom prst="rect">
-            <a:avLst/>
-          </a:prstGeom>
-        </p:spPr>
-      </p:pic>
-    </p:spTree>
-    <p:extLst>
-      <p:ext uri="{BB962C8B-B14F-4D97-AF65-F5344CB8AC3E}">
-        <p14:creationId xmlns:p14="http://schemas.microsoft.com/office/powerpoint/2010/main" val="1950186458"/>
       </p:ext>
     </p:extLst>
   </p:cSld>
